--- a/Range Sim Presentation.pptx
+++ b/Range Sim Presentation.pptx
@@ -5,15 +5,23 @@
     <p:sldMasterId id="2147483648" r:id="rId1"/>
   </p:sldMasterIdLst>
   <p:notesMasterIdLst>
-    <p:notesMasterId r:id="rId8"/>
+    <p:notesMasterId r:id="rId16"/>
   </p:notesMasterIdLst>
   <p:sldIdLst>
     <p:sldId id="256" r:id="rId2"/>
     <p:sldId id="271" r:id="rId3"/>
-    <p:sldId id="283" r:id="rId4"/>
-    <p:sldId id="284" r:id="rId5"/>
-    <p:sldId id="267" r:id="rId6"/>
-    <p:sldId id="270" r:id="rId7"/>
+    <p:sldId id="284" r:id="rId4"/>
+    <p:sldId id="291" r:id="rId5"/>
+    <p:sldId id="292" r:id="rId6"/>
+    <p:sldId id="290" r:id="rId7"/>
+    <p:sldId id="287" r:id="rId8"/>
+    <p:sldId id="283" r:id="rId9"/>
+    <p:sldId id="288" r:id="rId10"/>
+    <p:sldId id="289" r:id="rId11"/>
+    <p:sldId id="286" r:id="rId12"/>
+    <p:sldId id="285" r:id="rId13"/>
+    <p:sldId id="293" r:id="rId14"/>
+    <p:sldId id="270" r:id="rId15"/>
   </p:sldIdLst>
   <p:sldSz cx="24384000" cy="13716000"/>
   <p:notesSz cx="6858000" cy="9144000"/>
@@ -1322,473 +1330,6 @@
 
 <file path=ppt/slideLayouts/slideLayout5.xml><?xml version="1.0" encoding="utf-8"?>
 <p:sldLayout xmlns:a="http://schemas.openxmlformats.org/drawingml/2006/main" xmlns:r="http://schemas.openxmlformats.org/officeDocument/2006/relationships" xmlns:p="http://schemas.openxmlformats.org/presentationml/2006/main" showMasterSp="0" userDrawn="1">
-  <p:cSld name="Big Screen — Bullet Points Large">
-    <p:spTree>
-      <p:nvGrpSpPr>
-        <p:cNvPr id="1" name=""/>
-        <p:cNvGrpSpPr/>
-        <p:nvPr/>
-      </p:nvGrpSpPr>
-      <p:grpSpPr>
-        <a:xfrm>
-          <a:off x="0" y="0"/>
-          <a:ext cx="0" cy="0"/>
-          <a:chOff x="0" y="0"/>
-          <a:chExt cx="0" cy="0"/>
-        </a:xfrm>
-      </p:grpSpPr>
-      <p:sp>
-        <p:nvSpPr>
-          <p:cNvPr id="291" name="Completely emission free"/>
-          <p:cNvSpPr txBox="1">
-            <a:spLocks noGrp="1"/>
-          </p:cNvSpPr>
-          <p:nvPr>
-            <p:ph type="body" sz="quarter" idx="13"/>
-          </p:nvPr>
-        </p:nvSpPr>
-        <p:spPr>
-          <a:xfrm>
-            <a:off x="1713639" y="3090862"/>
-            <a:ext cx="9876092" cy="2581276"/>
-          </a:xfrm>
-          <a:prstGeom prst="rect">
-            <a:avLst/>
-          </a:prstGeom>
-        </p:spPr>
-        <p:txBody>
-          <a:bodyPr>
-            <a:spAutoFit/>
-          </a:bodyPr>
-          <a:lstStyle/>
-          <a:p>
-            <a:pPr marL="1111250" indent="-1111250" algn="l">
-              <a:buSzPct val="145000"/>
-              <a:buChar char="•"/>
-              <a:defRPr>
-                <a:solidFill>
-                  <a:srgbClr val="000000"/>
-                </a:solidFill>
-                <a:latin typeface="ARRIVAL Apercu Light"/>
-                <a:ea typeface="ARRIVAL Apercu Light"/>
-                <a:cs typeface="ARRIVAL Apercu Light"/>
-                <a:sym typeface="ARRIVAL Apercu Light"/>
-              </a:defRPr>
-            </a:pPr>
-            <a:r>
-              <a:t>Completely</a:t>
-            </a:r>
-            <a:br/>
-            <a:r>
-              <a:t>emission free</a:t>
-            </a:r>
-          </a:p>
-        </p:txBody>
-      </p:sp>
-      <p:sp>
-        <p:nvSpPr>
-          <p:cNvPr id="293" name="Slide Title Here"/>
-          <p:cNvSpPr txBox="1">
-            <a:spLocks noGrp="1"/>
-          </p:cNvSpPr>
-          <p:nvPr>
-            <p:ph type="body" sz="quarter" idx="14"/>
-          </p:nvPr>
-        </p:nvSpPr>
-        <p:spPr>
-          <a:xfrm>
-            <a:off x="1653566" y="1100891"/>
-            <a:ext cx="18079668" cy="904876"/>
-          </a:xfrm>
-          <a:prstGeom prst="rect">
-            <a:avLst/>
-          </a:prstGeom>
-        </p:spPr>
-        <p:txBody>
-          <a:bodyPr anchor="ctr">
-            <a:spAutoFit/>
-          </a:bodyPr>
-          <a:lstStyle>
-            <a:lvl1pPr algn="l">
-              <a:defRPr sz="5000">
-                <a:solidFill>
-                  <a:srgbClr val="000000"/>
-                </a:solidFill>
-                <a:latin typeface="+mn-lt"/>
-                <a:ea typeface="+mn-ea"/>
-                <a:cs typeface="+mn-cs"/>
-                <a:sym typeface="ARRIVAL Apercu Bold"/>
-              </a:defRPr>
-            </a:lvl1pPr>
-          </a:lstStyle>
-          <a:p>
-            <a:r>
-              <a:t>Slide Title Here</a:t>
-            </a:r>
-          </a:p>
-        </p:txBody>
-      </p:sp>
-      <p:sp>
-        <p:nvSpPr>
-          <p:cNvPr id="295" name="Completely emission free"/>
-          <p:cNvSpPr txBox="1">
-            <a:spLocks noGrp="1"/>
-          </p:cNvSpPr>
-          <p:nvPr>
-            <p:ph type="body" sz="quarter" idx="15"/>
-          </p:nvPr>
-        </p:nvSpPr>
-        <p:spPr>
-          <a:xfrm>
-            <a:off x="1713639" y="6101751"/>
-            <a:ext cx="9876092" cy="2581276"/>
-          </a:xfrm>
-          <a:prstGeom prst="rect">
-            <a:avLst/>
-          </a:prstGeom>
-        </p:spPr>
-        <p:txBody>
-          <a:bodyPr>
-            <a:spAutoFit/>
-          </a:bodyPr>
-          <a:lstStyle/>
-          <a:p>
-            <a:pPr marL="1111250" indent="-1111250" algn="l">
-              <a:buSzPct val="145000"/>
-              <a:buChar char="•"/>
-              <a:defRPr>
-                <a:solidFill>
-                  <a:srgbClr val="000000"/>
-                </a:solidFill>
-                <a:latin typeface="ARRIVAL Apercu Light"/>
-                <a:ea typeface="ARRIVAL Apercu Light"/>
-                <a:cs typeface="ARRIVAL Apercu Light"/>
-                <a:sym typeface="ARRIVAL Apercu Light"/>
-              </a:defRPr>
-            </a:pPr>
-            <a:r>
-              <a:t>Completely</a:t>
-            </a:r>
-            <a:br/>
-            <a:r>
-              <a:t>emission free</a:t>
-            </a:r>
-          </a:p>
-        </p:txBody>
-      </p:sp>
-      <p:sp>
-        <p:nvSpPr>
-          <p:cNvPr id="296" name="Completely emission free"/>
-          <p:cNvSpPr txBox="1">
-            <a:spLocks noGrp="1"/>
-          </p:cNvSpPr>
-          <p:nvPr>
-            <p:ph type="body" sz="quarter" idx="16"/>
-          </p:nvPr>
-        </p:nvSpPr>
-        <p:spPr>
-          <a:xfrm>
-            <a:off x="1713639" y="9125341"/>
-            <a:ext cx="9876092" cy="2581276"/>
-          </a:xfrm>
-          <a:prstGeom prst="rect">
-            <a:avLst/>
-          </a:prstGeom>
-        </p:spPr>
-        <p:txBody>
-          <a:bodyPr>
-            <a:spAutoFit/>
-          </a:bodyPr>
-          <a:lstStyle/>
-          <a:p>
-            <a:pPr marL="1111250" indent="-1111250" algn="l">
-              <a:buSzPct val="145000"/>
-              <a:buChar char="•"/>
-              <a:defRPr>
-                <a:solidFill>
-                  <a:srgbClr val="000000"/>
-                </a:solidFill>
-                <a:latin typeface="ARRIVAL Apercu Light"/>
-                <a:ea typeface="ARRIVAL Apercu Light"/>
-                <a:cs typeface="ARRIVAL Apercu Light"/>
-                <a:sym typeface="ARRIVAL Apercu Light"/>
-              </a:defRPr>
-            </a:pPr>
-            <a:r>
-              <a:t>Completely</a:t>
-            </a:r>
-            <a:br/>
-            <a:r>
-              <a:t>emission free</a:t>
-            </a:r>
-          </a:p>
-        </p:txBody>
-      </p:sp>
-      <p:sp>
-        <p:nvSpPr>
-          <p:cNvPr id="297" name="Completely emission free"/>
-          <p:cNvSpPr txBox="1">
-            <a:spLocks noGrp="1"/>
-          </p:cNvSpPr>
-          <p:nvPr>
-            <p:ph type="body" sz="quarter" idx="17"/>
-          </p:nvPr>
-        </p:nvSpPr>
-        <p:spPr>
-          <a:xfrm>
-            <a:off x="12800739" y="3090862"/>
-            <a:ext cx="9876093" cy="2581276"/>
-          </a:xfrm>
-          <a:prstGeom prst="rect">
-            <a:avLst/>
-          </a:prstGeom>
-        </p:spPr>
-        <p:txBody>
-          <a:bodyPr>
-            <a:spAutoFit/>
-          </a:bodyPr>
-          <a:lstStyle/>
-          <a:p>
-            <a:pPr marL="1111250" indent="-1111250" algn="l">
-              <a:buSzPct val="145000"/>
-              <a:buChar char="•"/>
-              <a:defRPr>
-                <a:solidFill>
-                  <a:srgbClr val="000000"/>
-                </a:solidFill>
-                <a:latin typeface="ARRIVAL Apercu Light"/>
-                <a:ea typeface="ARRIVAL Apercu Light"/>
-                <a:cs typeface="ARRIVAL Apercu Light"/>
-                <a:sym typeface="ARRIVAL Apercu Light"/>
-              </a:defRPr>
-            </a:pPr>
-            <a:r>
-              <a:t>Completely</a:t>
-            </a:r>
-            <a:br/>
-            <a:r>
-              <a:t>emission free</a:t>
-            </a:r>
-          </a:p>
-        </p:txBody>
-      </p:sp>
-      <p:sp>
-        <p:nvSpPr>
-          <p:cNvPr id="298" name="Completely emission free"/>
-          <p:cNvSpPr txBox="1">
-            <a:spLocks noGrp="1"/>
-          </p:cNvSpPr>
-          <p:nvPr>
-            <p:ph type="body" sz="quarter" idx="18"/>
-          </p:nvPr>
-        </p:nvSpPr>
-        <p:spPr>
-          <a:xfrm>
-            <a:off x="12800739" y="6089051"/>
-            <a:ext cx="9876093" cy="2581276"/>
-          </a:xfrm>
-          <a:prstGeom prst="rect">
-            <a:avLst/>
-          </a:prstGeom>
-        </p:spPr>
-        <p:txBody>
-          <a:bodyPr>
-            <a:spAutoFit/>
-          </a:bodyPr>
-          <a:lstStyle/>
-          <a:p>
-            <a:pPr marL="1111250" indent="-1111250" algn="l">
-              <a:buSzPct val="145000"/>
-              <a:buChar char="•"/>
-              <a:defRPr>
-                <a:solidFill>
-                  <a:srgbClr val="000000"/>
-                </a:solidFill>
-                <a:latin typeface="ARRIVAL Apercu Light"/>
-                <a:ea typeface="ARRIVAL Apercu Light"/>
-                <a:cs typeface="ARRIVAL Apercu Light"/>
-                <a:sym typeface="ARRIVAL Apercu Light"/>
-              </a:defRPr>
-            </a:pPr>
-            <a:r>
-              <a:t>Completely</a:t>
-            </a:r>
-            <a:br/>
-            <a:r>
-              <a:t>emission free</a:t>
-            </a:r>
-          </a:p>
-        </p:txBody>
-      </p:sp>
-      <p:sp>
-        <p:nvSpPr>
-          <p:cNvPr id="299" name="Completely emission free"/>
-          <p:cNvSpPr txBox="1">
-            <a:spLocks noGrp="1"/>
-          </p:cNvSpPr>
-          <p:nvPr>
-            <p:ph type="body" sz="quarter" idx="19"/>
-          </p:nvPr>
-        </p:nvSpPr>
-        <p:spPr>
-          <a:xfrm>
-            <a:off x="12800739" y="9125341"/>
-            <a:ext cx="9876093" cy="2581276"/>
-          </a:xfrm>
-          <a:prstGeom prst="rect">
-            <a:avLst/>
-          </a:prstGeom>
-        </p:spPr>
-        <p:txBody>
-          <a:bodyPr>
-            <a:spAutoFit/>
-          </a:bodyPr>
-          <a:lstStyle/>
-          <a:p>
-            <a:pPr marL="1111250" indent="-1111250" algn="l">
-              <a:buSzPct val="145000"/>
-              <a:buChar char="•"/>
-              <a:defRPr>
-                <a:solidFill>
-                  <a:srgbClr val="000000"/>
-                </a:solidFill>
-                <a:latin typeface="ARRIVAL Apercu Light"/>
-                <a:ea typeface="ARRIVAL Apercu Light"/>
-                <a:cs typeface="ARRIVAL Apercu Light"/>
-                <a:sym typeface="ARRIVAL Apercu Light"/>
-              </a:defRPr>
-            </a:pPr>
-            <a:r>
-              <a:t>Completely</a:t>
-            </a:r>
-            <a:br/>
-            <a:r>
-              <a:t>emission free</a:t>
-            </a:r>
-          </a:p>
-        </p:txBody>
-      </p:sp>
-      <p:pic>
-        <p:nvPicPr>
-          <p:cNvPr id="12" name="Picture 11"/>
-          <p:cNvPicPr>
-            <a:picLocks noChangeAspect="1"/>
-          </p:cNvPicPr>
-          <p:nvPr userDrawn="1"/>
-        </p:nvPicPr>
-        <p:blipFill>
-          <a:blip r:embed="rId2" cstate="print">
-            <a:extLst>
-              <a:ext uri="{28A0092B-C50C-407E-A947-70E740481C1C}">
-                <a14:useLocalDpi xmlns:a14="http://schemas.microsoft.com/office/drawing/2010/main" val="0"/>
-              </a:ext>
-            </a:extLst>
-          </a:blip>
-          <a:stretch>
-            <a:fillRect/>
-          </a:stretch>
-        </p:blipFill>
-        <p:spPr>
-          <a:xfrm flipH="1" flipV="1">
-            <a:off x="22333417" y="12744721"/>
-            <a:ext cx="418164" cy="452620"/>
-          </a:xfrm>
-          <a:prstGeom prst="rect">
-            <a:avLst/>
-          </a:prstGeom>
-        </p:spPr>
-      </p:pic>
-      <p:sp>
-        <p:nvSpPr>
-          <p:cNvPr id="14" name="Slide Number"/>
-          <p:cNvSpPr txBox="1">
-            <a:spLocks noGrp="1"/>
-          </p:cNvSpPr>
-          <p:nvPr>
-            <p:ph type="sldNum" sz="quarter" idx="2"/>
-          </p:nvPr>
-        </p:nvSpPr>
-        <p:spPr>
-          <a:xfrm>
-            <a:off x="22224999" y="1346635"/>
-            <a:ext cx="635000" cy="412322"/>
-          </a:xfrm>
-          <a:prstGeom prst="rect">
-            <a:avLst/>
-          </a:prstGeom>
-        </p:spPr>
-        <p:txBody>
-          <a:bodyPr/>
-          <a:lstStyle>
-            <a:lvl1pPr>
-              <a:defRPr sz="2300" b="0" i="0">
-                <a:latin typeface="ARRIVAL Apercu" charset="0"/>
-                <a:ea typeface="ARRIVAL Apercu" charset="0"/>
-                <a:cs typeface="ARRIVAL Apercu" charset="0"/>
-              </a:defRPr>
-            </a:lvl1pPr>
-          </a:lstStyle>
-          <a:p>
-            <a:fld id="{86CB4B4D-7CA3-9044-876B-883B54F8677D}" type="slidenum">
-              <a:rPr lang="uk-UA" smtClean="0"/>
-              <a:pPr/>
-              <a:t>‹#›</a:t>
-            </a:fld>
-            <a:endParaRPr lang="uk-UA" dirty="0"/>
-          </a:p>
-        </p:txBody>
-      </p:sp>
-      <p:sp>
-        <p:nvSpPr>
-          <p:cNvPr id="15" name="Private &amp; Confidential. All rights reserved by ARRIVAL LTD."/>
-          <p:cNvSpPr txBox="1">
-            <a:spLocks noGrp="1"/>
-          </p:cNvSpPr>
-          <p:nvPr>
-            <p:ph type="body" sz="quarter" idx="20"/>
-          </p:nvPr>
-        </p:nvSpPr>
-        <p:spPr>
-          <a:xfrm>
-            <a:off x="1612513" y="12752967"/>
-            <a:ext cx="8055410" cy="461665"/>
-          </a:xfrm>
-          <a:prstGeom prst="rect">
-            <a:avLst/>
-          </a:prstGeom>
-        </p:spPr>
-        <p:txBody>
-          <a:bodyPr wrap="none" anchor="ctr">
-            <a:spAutoFit/>
-          </a:bodyPr>
-          <a:lstStyle>
-            <a:lvl1pPr algn="l">
-              <a:defRPr sz="2400">
-                <a:solidFill>
-                  <a:srgbClr val="B1B2B4"/>
-                </a:solidFill>
-              </a:defRPr>
-            </a:lvl1pPr>
-          </a:lstStyle>
-          <a:p>
-            <a:r>
-              <a:rPr dirty="0"/>
-              <a:t>Private &amp; Confidential. All rights reserved by ARRIVAL LTD.</a:t>
-            </a:r>
-          </a:p>
-        </p:txBody>
-      </p:sp>
-    </p:spTree>
-  </p:cSld>
-  <p:clrMapOvr>
-    <a:masterClrMapping/>
-  </p:clrMapOvr>
-  <p:transition spd="med"/>
-</p:sldLayout>
-</file>
-
-<file path=ppt/slideLayouts/slideLayout6.xml><?xml version="1.0" encoding="utf-8"?>
-<p:sldLayout xmlns:a="http://schemas.openxmlformats.org/drawingml/2006/main" xmlns:r="http://schemas.openxmlformats.org/officeDocument/2006/relationships" xmlns:p="http://schemas.openxmlformats.org/presentationml/2006/main" showMasterSp="0" userDrawn="1">
   <p:cSld name="End Slide">
     <p:bg>
       <p:bgPr>
@@ -1967,8 +1508,7 @@
     <p:sldLayoutId id="2147483677" r:id="rId2"/>
     <p:sldLayoutId id="2147483678" r:id="rId3"/>
     <p:sldLayoutId id="2147483668" r:id="rId4"/>
-    <p:sldLayoutId id="2147483672" r:id="rId5"/>
-    <p:sldLayoutId id="2147483675" r:id="rId6"/>
+    <p:sldLayoutId id="2147483675" r:id="rId5"/>
   </p:sldLayoutIdLst>
   <p:transition spd="med"/>
   <p:hf hdr="0" ftr="0" dt="0"/>
@@ -2817,12 +2357,20 @@
             <p:ph type="body" sz="quarter" idx="15"/>
           </p:nvPr>
         </p:nvSpPr>
-        <p:spPr/>
+        <p:spPr>
+          <a:xfrm>
+            <a:off x="1612513" y="12752967"/>
+            <a:ext cx="2467342" cy="461665"/>
+          </a:xfrm>
+        </p:spPr>
         <p:txBody>
           <a:bodyPr/>
           <a:lstStyle/>
           <a:p>
-            <a:endParaRPr lang="en-US"/>
+            <a:r>
+              <a:rPr lang="en-US" dirty="0"/>
+              <a:t>Murray Schofield</a:t>
+            </a:r>
           </a:p>
         </p:txBody>
       </p:sp>
@@ -2830,6 +2378,1360 @@
     <p:extLst>
       <p:ext uri="{BB962C8B-B14F-4D97-AF65-F5344CB8AC3E}">
         <p14:creationId xmlns:p14="http://schemas.microsoft.com/office/powerpoint/2010/main" val="1924071228"/>
+      </p:ext>
+    </p:extLst>
+  </p:cSld>
+  <p:clrMapOvr>
+    <a:masterClrMapping/>
+  </p:clrMapOvr>
+  <p:transition spd="med"/>
+</p:sld>
+</file>
+
+<file path=ppt/slides/slide10.xml><?xml version="1.0" encoding="utf-8"?>
+<p:sld xmlns:a="http://schemas.openxmlformats.org/drawingml/2006/main" xmlns:r="http://schemas.openxmlformats.org/officeDocument/2006/relationships" xmlns:p="http://schemas.openxmlformats.org/presentationml/2006/main">
+  <p:cSld>
+    <p:spTree>
+      <p:nvGrpSpPr>
+        <p:cNvPr id="1" name=""/>
+        <p:cNvGrpSpPr/>
+        <p:nvPr/>
+      </p:nvGrpSpPr>
+      <p:grpSpPr>
+        <a:xfrm>
+          <a:off x="0" y="0"/>
+          <a:ext cx="0" cy="0"/>
+          <a:chOff x="0" y="0"/>
+          <a:chExt cx="0" cy="0"/>
+        </a:xfrm>
+      </p:grpSpPr>
+      <p:sp>
+        <p:nvSpPr>
+          <p:cNvPr id="14" name="Text Placeholder 3"/>
+          <p:cNvSpPr>
+            <a:spLocks noGrp="1"/>
+          </p:cNvSpPr>
+          <p:nvPr>
+            <p:ph type="body" sz="quarter" idx="4294967295"/>
+          </p:nvPr>
+        </p:nvSpPr>
+        <p:spPr>
+          <a:xfrm>
+            <a:off x="1574041" y="12814522"/>
+            <a:ext cx="3682418" cy="338554"/>
+          </a:xfrm>
+          <a:prstGeom prst="rect">
+            <a:avLst/>
+          </a:prstGeom>
+        </p:spPr>
+        <p:txBody>
+          <a:bodyPr/>
+          <a:lstStyle/>
+          <a:p>
+            <a:pPr algn="l"/>
+            <a:r>
+              <a:rPr lang="en-US" sz="1600" dirty="0">
+                <a:solidFill>
+                  <a:srgbClr val="B1B2B4"/>
+                </a:solidFill>
+                <a:latin typeface="ARRIVAL Apercu" charset="0"/>
+                <a:ea typeface="ARRIVAL Apercu" charset="0"/>
+                <a:cs typeface="ARRIVAL Apercu" charset="0"/>
+              </a:rPr>
+              <a:t>ARRIVAL LTD — Private &amp; Confidential.</a:t>
+            </a:r>
+          </a:p>
+        </p:txBody>
+      </p:sp>
+      <p:sp>
+        <p:nvSpPr>
+          <p:cNvPr id="2" name="TextBox 1">
+            <a:extLst>
+              <a:ext uri="{FF2B5EF4-FFF2-40B4-BE49-F238E27FC236}">
+                <a16:creationId xmlns:a16="http://schemas.microsoft.com/office/drawing/2014/main" id="{0308D278-95AE-4ED8-BF98-6FF12BBA6D71}"/>
+              </a:ext>
+            </a:extLst>
+          </p:cNvPr>
+          <p:cNvSpPr txBox="1"/>
+          <p:nvPr/>
+        </p:nvSpPr>
+        <p:spPr>
+          <a:xfrm>
+            <a:off x="1496218" y="2184343"/>
+            <a:ext cx="21915336" cy="7069242"/>
+          </a:xfrm>
+          <a:prstGeom prst="rect">
+            <a:avLst/>
+          </a:prstGeom>
+          <a:noFill/>
+          <a:ln w="12700" cap="flat">
+            <a:noFill/>
+            <a:miter lim="400000"/>
+          </a:ln>
+          <a:effectLst/>
+          <a:sp3d/>
+        </p:spPr>
+        <p:style>
+          <a:lnRef idx="0">
+            <a:scrgbClr r="0" g="0" b="0"/>
+          </a:lnRef>
+          <a:fillRef idx="0">
+            <a:scrgbClr r="0" g="0" b="0"/>
+          </a:fillRef>
+          <a:effectRef idx="0">
+            <a:scrgbClr r="0" g="0" b="0"/>
+          </a:effectRef>
+          <a:fontRef idx="none"/>
+        </p:style>
+        <p:txBody>
+          <a:bodyPr rot="0" spcFirstLastPara="1" vertOverflow="overflow" horzOverflow="overflow" vert="horz" wrap="square" lIns="71437" tIns="71437" rIns="71437" bIns="71437" numCol="1" spcCol="38100" rtlCol="0" anchor="ctr">
+            <a:spAutoFit/>
+          </a:bodyPr>
+          <a:lstStyle/>
+          <a:p>
+            <a:pPr algn="l"/>
+            <a:r>
+              <a:rPr lang="en-GB" sz="6000" dirty="0">
+                <a:latin typeface="ARRIVAL Apercu" panose="020B0503050601040103" pitchFamily="34" charset="0"/>
+              </a:rPr>
+              <a:t>When should you NOT use it?</a:t>
+            </a:r>
+          </a:p>
+          <a:p>
+            <a:pPr algn="l"/>
+            <a:endParaRPr lang="en-GB" sz="6000" dirty="0">
+              <a:latin typeface="ARRIVAL Apercu" panose="020B0503050601040103" pitchFamily="34" charset="0"/>
+            </a:endParaRPr>
+          </a:p>
+          <a:p>
+            <a:pPr algn="l">
+              <a:lnSpc>
+                <a:spcPct val="150000"/>
+              </a:lnSpc>
+            </a:pPr>
+            <a:r>
+              <a:rPr lang="en-GB" sz="4400" b="0" dirty="0">
+                <a:latin typeface="ARRIVAL Apercu" panose="020B0503050601040103" pitchFamily="34" charset="0"/>
+              </a:rPr>
+              <a:t>When you need to make final range or attribute predictions.</a:t>
+            </a:r>
+          </a:p>
+          <a:p>
+            <a:pPr algn="l">
+              <a:lnSpc>
+                <a:spcPct val="150000"/>
+              </a:lnSpc>
+            </a:pPr>
+            <a:endParaRPr lang="en-GB" sz="4400" b="0" dirty="0">
+              <a:latin typeface="ARRIVAL Apercu" panose="020B0503050601040103" pitchFamily="34" charset="0"/>
+            </a:endParaRPr>
+          </a:p>
+          <a:p>
+            <a:pPr algn="l">
+              <a:lnSpc>
+                <a:spcPct val="150000"/>
+              </a:lnSpc>
+            </a:pPr>
+            <a:r>
+              <a:rPr lang="en-GB" sz="4400" dirty="0">
+                <a:latin typeface="ARRIVAL Apercu" panose="020B0503050601040103" pitchFamily="34" charset="0"/>
+              </a:rPr>
+              <a:t>Recommended process: </a:t>
+            </a:r>
+            <a:r>
+              <a:rPr lang="en-GB" sz="4400" b="0" dirty="0">
+                <a:latin typeface="ARRIVAL Apercu" panose="020B0503050601040103" pitchFamily="34" charset="0"/>
+              </a:rPr>
+              <a:t>use the range tool to understand what you need simulated and make first estimates. Then ask a simulation expert in the company to confirm predictions based on the variables you have chosen.</a:t>
+            </a:r>
+          </a:p>
+        </p:txBody>
+      </p:sp>
+      <p:sp>
+        <p:nvSpPr>
+          <p:cNvPr id="7" name="Slide Number Placeholder 2">
+            <a:extLst>
+              <a:ext uri="{FF2B5EF4-FFF2-40B4-BE49-F238E27FC236}">
+                <a16:creationId xmlns:a16="http://schemas.microsoft.com/office/drawing/2014/main" id="{B399CE0F-DEEA-4821-B7E5-91BDC5D5367F}"/>
+              </a:ext>
+            </a:extLst>
+          </p:cNvPr>
+          <p:cNvSpPr>
+            <a:spLocks noGrp="1"/>
+          </p:cNvSpPr>
+          <p:nvPr>
+            <p:ph type="sldNum" sz="quarter" idx="2"/>
+          </p:nvPr>
+        </p:nvSpPr>
+        <p:spPr>
+          <a:xfrm>
+            <a:off x="1625600" y="1346635"/>
+            <a:ext cx="635000" cy="412322"/>
+          </a:xfrm>
+        </p:spPr>
+        <p:txBody>
+          <a:bodyPr/>
+          <a:lstStyle/>
+          <a:p>
+            <a:fld id="{86CB4B4D-7CA3-9044-876B-883B54F8677D}" type="slidenum">
+              <a:rPr lang="uk-UA" smtClean="0"/>
+              <a:pPr/>
+              <a:t>10</a:t>
+            </a:fld>
+            <a:endParaRPr lang="uk-UA" dirty="0"/>
+          </a:p>
+        </p:txBody>
+      </p:sp>
+    </p:spTree>
+    <p:extLst>
+      <p:ext uri="{BB962C8B-B14F-4D97-AF65-F5344CB8AC3E}">
+        <p14:creationId xmlns:p14="http://schemas.microsoft.com/office/powerpoint/2010/main" val="3544259443"/>
+      </p:ext>
+    </p:extLst>
+  </p:cSld>
+  <p:clrMapOvr>
+    <a:masterClrMapping/>
+  </p:clrMapOvr>
+  <p:transition spd="med"/>
+</p:sld>
+</file>
+
+<file path=ppt/slides/slide11.xml><?xml version="1.0" encoding="utf-8"?>
+<p:sld xmlns:a="http://schemas.openxmlformats.org/drawingml/2006/main" xmlns:r="http://schemas.openxmlformats.org/officeDocument/2006/relationships" xmlns:p="http://schemas.openxmlformats.org/presentationml/2006/main">
+  <p:cSld>
+    <p:spTree>
+      <p:nvGrpSpPr>
+        <p:cNvPr id="1" name=""/>
+        <p:cNvGrpSpPr/>
+        <p:nvPr/>
+      </p:nvGrpSpPr>
+      <p:grpSpPr>
+        <a:xfrm>
+          <a:off x="0" y="0"/>
+          <a:ext cx="0" cy="0"/>
+          <a:chOff x="0" y="0"/>
+          <a:chExt cx="0" cy="0"/>
+        </a:xfrm>
+      </p:grpSpPr>
+      <p:sp>
+        <p:nvSpPr>
+          <p:cNvPr id="14" name="Text Placeholder 3"/>
+          <p:cNvSpPr>
+            <a:spLocks noGrp="1"/>
+          </p:cNvSpPr>
+          <p:nvPr>
+            <p:ph type="body" sz="quarter" idx="4294967295"/>
+          </p:nvPr>
+        </p:nvSpPr>
+        <p:spPr>
+          <a:xfrm>
+            <a:off x="1574041" y="12814522"/>
+            <a:ext cx="3682418" cy="338554"/>
+          </a:xfrm>
+          <a:prstGeom prst="rect">
+            <a:avLst/>
+          </a:prstGeom>
+        </p:spPr>
+        <p:txBody>
+          <a:bodyPr/>
+          <a:lstStyle/>
+          <a:p>
+            <a:pPr algn="l"/>
+            <a:r>
+              <a:rPr lang="en-US" sz="1600" dirty="0">
+                <a:solidFill>
+                  <a:srgbClr val="B1B2B4"/>
+                </a:solidFill>
+                <a:latin typeface="ARRIVAL Apercu" charset="0"/>
+                <a:ea typeface="ARRIVAL Apercu" charset="0"/>
+                <a:cs typeface="ARRIVAL Apercu" charset="0"/>
+              </a:rPr>
+              <a:t>ARRIVAL LTD — Private &amp; Confidential.</a:t>
+            </a:r>
+          </a:p>
+        </p:txBody>
+      </p:sp>
+      <p:sp>
+        <p:nvSpPr>
+          <p:cNvPr id="2" name="TextBox 1">
+            <a:extLst>
+              <a:ext uri="{FF2B5EF4-FFF2-40B4-BE49-F238E27FC236}">
+                <a16:creationId xmlns:a16="http://schemas.microsoft.com/office/drawing/2014/main" id="{0308D278-95AE-4ED8-BF98-6FF12BBA6D71}"/>
+              </a:ext>
+            </a:extLst>
+          </p:cNvPr>
+          <p:cNvSpPr txBox="1"/>
+          <p:nvPr/>
+        </p:nvSpPr>
+        <p:spPr>
+          <a:xfrm>
+            <a:off x="2260600" y="2090656"/>
+            <a:ext cx="20758826" cy="9008234"/>
+          </a:xfrm>
+          <a:prstGeom prst="rect">
+            <a:avLst/>
+          </a:prstGeom>
+          <a:noFill/>
+          <a:ln w="12700" cap="flat">
+            <a:noFill/>
+            <a:miter lim="400000"/>
+          </a:ln>
+          <a:effectLst/>
+          <a:sp3d/>
+        </p:spPr>
+        <p:style>
+          <a:lnRef idx="0">
+            <a:scrgbClr r="0" g="0" b="0"/>
+          </a:lnRef>
+          <a:fillRef idx="0">
+            <a:scrgbClr r="0" g="0" b="0"/>
+          </a:fillRef>
+          <a:effectRef idx="0">
+            <a:scrgbClr r="0" g="0" b="0"/>
+          </a:effectRef>
+          <a:fontRef idx="none"/>
+        </p:style>
+        <p:txBody>
+          <a:bodyPr rot="0" spcFirstLastPara="1" vertOverflow="overflow" horzOverflow="overflow" vert="horz" wrap="square" lIns="71437" tIns="71437" rIns="71437" bIns="71437" numCol="1" spcCol="38100" rtlCol="0" anchor="ctr">
+            <a:spAutoFit/>
+          </a:bodyPr>
+          <a:lstStyle/>
+          <a:p>
+            <a:pPr algn="l">
+              <a:lnSpc>
+                <a:spcPct val="150000"/>
+              </a:lnSpc>
+            </a:pPr>
+            <a:r>
+              <a:rPr lang="en-GB" sz="4800" dirty="0">
+                <a:latin typeface="ARRIVAL Apercu" panose="020B0503050601040103" pitchFamily="34" charset="0"/>
+              </a:rPr>
+              <a:t>Sections to the tool: </a:t>
+            </a:r>
+            <a:endParaRPr kumimoji="0" lang="en-GB" sz="4800" b="0" i="0" u="none" strike="noStrike" cap="none" spc="0" normalizeH="0" baseline="0" dirty="0">
+              <a:ln>
+                <a:noFill/>
+              </a:ln>
+              <a:solidFill>
+                <a:srgbClr val="000000"/>
+              </a:solidFill>
+              <a:effectLst/>
+              <a:uFillTx/>
+              <a:latin typeface="ARRIVAL Apercu" panose="020B0503050601040103" pitchFamily="34" charset="0"/>
+              <a:sym typeface="Helvetica Neue"/>
+            </a:endParaRPr>
+          </a:p>
+          <a:p>
+            <a:pPr marL="857250" marR="0" indent="-857250" algn="l" defTabSz="821531" rtl="0" fontAlgn="auto" latinLnBrk="0" hangingPunct="0">
+              <a:lnSpc>
+                <a:spcPct val="150000"/>
+              </a:lnSpc>
+              <a:spcBef>
+                <a:spcPts val="0"/>
+              </a:spcBef>
+              <a:spcAft>
+                <a:spcPts val="0"/>
+              </a:spcAft>
+              <a:buClrTx/>
+              <a:buSzTx/>
+              <a:buFont typeface="Arial" panose="020B0604020202020204" pitchFamily="34" charset="0"/>
+              <a:buChar char="•"/>
+              <a:tabLst/>
+            </a:pPr>
+            <a:r>
+              <a:rPr lang="en-GB" sz="4800" b="0" dirty="0">
+                <a:latin typeface="ARRIVAL Apercu" panose="020B0503050601040103" pitchFamily="34" charset="0"/>
+              </a:rPr>
+              <a:t>Vehicle Inputs</a:t>
+            </a:r>
+          </a:p>
+          <a:p>
+            <a:pPr marL="857250" marR="0" indent="-857250" algn="l" defTabSz="821531" rtl="0" fontAlgn="auto" latinLnBrk="0" hangingPunct="0">
+              <a:lnSpc>
+                <a:spcPct val="150000"/>
+              </a:lnSpc>
+              <a:spcBef>
+                <a:spcPts val="0"/>
+              </a:spcBef>
+              <a:spcAft>
+                <a:spcPts val="0"/>
+              </a:spcAft>
+              <a:buClrTx/>
+              <a:buSzTx/>
+              <a:buFont typeface="Arial" panose="020B0604020202020204" pitchFamily="34" charset="0"/>
+              <a:buChar char="•"/>
+              <a:tabLst/>
+            </a:pPr>
+            <a:r>
+              <a:rPr lang="en-GB" sz="4800" b="0" dirty="0">
+                <a:latin typeface="ARRIVAL Apercu" panose="020B0503050601040103" pitchFamily="34" charset="0"/>
+              </a:rPr>
+              <a:t>Drive Cycle inputs</a:t>
+            </a:r>
+          </a:p>
+          <a:p>
+            <a:pPr marL="857250" marR="0" indent="-857250" algn="l" defTabSz="821531" rtl="0" fontAlgn="auto" latinLnBrk="0" hangingPunct="0">
+              <a:lnSpc>
+                <a:spcPct val="150000"/>
+              </a:lnSpc>
+              <a:spcBef>
+                <a:spcPts val="0"/>
+              </a:spcBef>
+              <a:spcAft>
+                <a:spcPts val="0"/>
+              </a:spcAft>
+              <a:buClrTx/>
+              <a:buSzTx/>
+              <a:buFont typeface="Arial" panose="020B0604020202020204" pitchFamily="34" charset="0"/>
+              <a:buChar char="•"/>
+              <a:tabLst/>
+            </a:pPr>
+            <a:r>
+              <a:rPr lang="en-GB" sz="4800" b="0" dirty="0">
+                <a:latin typeface="ARRIVAL Apercu" panose="020B0503050601040103" pitchFamily="34" charset="0"/>
+              </a:rPr>
+              <a:t>Energy breakdown per kilometre</a:t>
+            </a:r>
+          </a:p>
+          <a:p>
+            <a:pPr marL="857250" marR="0" indent="-857250" algn="l" defTabSz="821531" rtl="0" fontAlgn="auto" latinLnBrk="0" hangingPunct="0">
+              <a:lnSpc>
+                <a:spcPct val="150000"/>
+              </a:lnSpc>
+              <a:spcBef>
+                <a:spcPts val="0"/>
+              </a:spcBef>
+              <a:spcAft>
+                <a:spcPts val="0"/>
+              </a:spcAft>
+              <a:buClrTx/>
+              <a:buSzTx/>
+              <a:buFont typeface="Arial" panose="020B0604020202020204" pitchFamily="34" charset="0"/>
+              <a:buChar char="•"/>
+              <a:tabLst/>
+            </a:pPr>
+            <a:r>
+              <a:rPr lang="en-GB" sz="4800" b="0" dirty="0">
+                <a:latin typeface="ARRIVAL Apercu" panose="020B0503050601040103" pitchFamily="34" charset="0"/>
+              </a:rPr>
+              <a:t>Energy breakdown (percentages)</a:t>
+            </a:r>
+          </a:p>
+          <a:p>
+            <a:pPr marL="857250" marR="0" indent="-857250" algn="l" defTabSz="821531" rtl="0" fontAlgn="auto" latinLnBrk="0" hangingPunct="0">
+              <a:lnSpc>
+                <a:spcPct val="150000"/>
+              </a:lnSpc>
+              <a:spcBef>
+                <a:spcPts val="0"/>
+              </a:spcBef>
+              <a:spcAft>
+                <a:spcPts val="0"/>
+              </a:spcAft>
+              <a:buClrTx/>
+              <a:buSzTx/>
+              <a:buFont typeface="Arial" panose="020B0604020202020204" pitchFamily="34" charset="0"/>
+              <a:buChar char="•"/>
+              <a:tabLst/>
+            </a:pPr>
+            <a:r>
+              <a:rPr lang="en-GB" sz="4800" b="0" dirty="0">
+                <a:latin typeface="ARRIVAL Apercu" panose="020B0503050601040103" pitchFamily="34" charset="0"/>
+              </a:rPr>
+              <a:t>Range Prediction Screen</a:t>
+            </a:r>
+          </a:p>
+          <a:p>
+            <a:pPr marL="857250" marR="0" indent="-857250" algn="l" defTabSz="821531" rtl="0" fontAlgn="auto" latinLnBrk="0" hangingPunct="0">
+              <a:lnSpc>
+                <a:spcPct val="150000"/>
+              </a:lnSpc>
+              <a:spcBef>
+                <a:spcPts val="0"/>
+              </a:spcBef>
+              <a:spcAft>
+                <a:spcPts val="0"/>
+              </a:spcAft>
+              <a:buClrTx/>
+              <a:buSzTx/>
+              <a:buFont typeface="Arial" panose="020B0604020202020204" pitchFamily="34" charset="0"/>
+              <a:buChar char="•"/>
+              <a:tabLst/>
+            </a:pPr>
+            <a:r>
+              <a:rPr lang="en-GB" sz="4800" b="0" dirty="0">
+                <a:latin typeface="ARRIVAL Apercu" panose="020B0503050601040103" pitchFamily="34" charset="0"/>
+              </a:rPr>
+              <a:t>Results Plots for further analysis of variables through the drive cycle</a:t>
+            </a:r>
+          </a:p>
+          <a:p>
+            <a:pPr marL="857250" marR="0" indent="-857250" algn="l" defTabSz="821531" rtl="0" fontAlgn="auto" latinLnBrk="0" hangingPunct="0">
+              <a:lnSpc>
+                <a:spcPct val="150000"/>
+              </a:lnSpc>
+              <a:spcBef>
+                <a:spcPts val="0"/>
+              </a:spcBef>
+              <a:spcAft>
+                <a:spcPts val="0"/>
+              </a:spcAft>
+              <a:buClrTx/>
+              <a:buSzTx/>
+              <a:buFont typeface="Arial" panose="020B0604020202020204" pitchFamily="34" charset="0"/>
+              <a:buChar char="•"/>
+              <a:tabLst/>
+            </a:pPr>
+            <a:r>
+              <a:rPr lang="en-GB" sz="4800" b="0" dirty="0">
+                <a:latin typeface="ARRIVAL Apercu" panose="020B0503050601040103" pitchFamily="34" charset="0"/>
+              </a:rPr>
+              <a:t>Saving results</a:t>
+            </a:r>
+          </a:p>
+        </p:txBody>
+      </p:sp>
+      <p:sp>
+        <p:nvSpPr>
+          <p:cNvPr id="4" name="Slide Number Placeholder 2">
+            <a:extLst>
+              <a:ext uri="{FF2B5EF4-FFF2-40B4-BE49-F238E27FC236}">
+                <a16:creationId xmlns:a16="http://schemas.microsoft.com/office/drawing/2014/main" id="{B018DF5C-87BF-4168-B08F-367F347D6574}"/>
+              </a:ext>
+            </a:extLst>
+          </p:cNvPr>
+          <p:cNvSpPr>
+            <a:spLocks noGrp="1"/>
+          </p:cNvSpPr>
+          <p:nvPr>
+            <p:ph type="sldNum" sz="quarter" idx="2"/>
+          </p:nvPr>
+        </p:nvSpPr>
+        <p:spPr>
+          <a:xfrm>
+            <a:off x="1625600" y="1346635"/>
+            <a:ext cx="635000" cy="412322"/>
+          </a:xfrm>
+        </p:spPr>
+        <p:txBody>
+          <a:bodyPr/>
+          <a:lstStyle/>
+          <a:p>
+            <a:fld id="{86CB4B4D-7CA3-9044-876B-883B54F8677D}" type="slidenum">
+              <a:rPr lang="uk-UA" smtClean="0"/>
+              <a:pPr/>
+              <a:t>11</a:t>
+            </a:fld>
+            <a:endParaRPr lang="uk-UA" dirty="0"/>
+          </a:p>
+        </p:txBody>
+      </p:sp>
+    </p:spTree>
+    <p:extLst>
+      <p:ext uri="{BB962C8B-B14F-4D97-AF65-F5344CB8AC3E}">
+        <p14:creationId xmlns:p14="http://schemas.microsoft.com/office/powerpoint/2010/main" val="2181488817"/>
+      </p:ext>
+    </p:extLst>
+  </p:cSld>
+  <p:clrMapOvr>
+    <a:masterClrMapping/>
+  </p:clrMapOvr>
+  <p:transition spd="med"/>
+</p:sld>
+</file>
+
+<file path=ppt/slides/slide12.xml><?xml version="1.0" encoding="utf-8"?>
+<p:sld xmlns:a="http://schemas.openxmlformats.org/drawingml/2006/main" xmlns:r="http://schemas.openxmlformats.org/officeDocument/2006/relationships" xmlns:p="http://schemas.openxmlformats.org/presentationml/2006/main">
+  <p:cSld>
+    <p:spTree>
+      <p:nvGrpSpPr>
+        <p:cNvPr id="1" name=""/>
+        <p:cNvGrpSpPr/>
+        <p:nvPr/>
+      </p:nvGrpSpPr>
+      <p:grpSpPr>
+        <a:xfrm>
+          <a:off x="0" y="0"/>
+          <a:ext cx="0" cy="0"/>
+          <a:chOff x="0" y="0"/>
+          <a:chExt cx="0" cy="0"/>
+        </a:xfrm>
+      </p:grpSpPr>
+      <p:sp>
+        <p:nvSpPr>
+          <p:cNvPr id="14" name="Text Placeholder 3"/>
+          <p:cNvSpPr>
+            <a:spLocks noGrp="1"/>
+          </p:cNvSpPr>
+          <p:nvPr>
+            <p:ph type="body" sz="quarter" idx="4294967295"/>
+          </p:nvPr>
+        </p:nvSpPr>
+        <p:spPr>
+          <a:xfrm>
+            <a:off x="1574041" y="12814522"/>
+            <a:ext cx="3682418" cy="338554"/>
+          </a:xfrm>
+          <a:prstGeom prst="rect">
+            <a:avLst/>
+          </a:prstGeom>
+        </p:spPr>
+        <p:txBody>
+          <a:bodyPr/>
+          <a:lstStyle/>
+          <a:p>
+            <a:pPr algn="l"/>
+            <a:r>
+              <a:rPr lang="en-US" sz="1600" dirty="0">
+                <a:solidFill>
+                  <a:srgbClr val="B1B2B4"/>
+                </a:solidFill>
+                <a:latin typeface="ARRIVAL Apercu" charset="0"/>
+                <a:ea typeface="ARRIVAL Apercu" charset="0"/>
+                <a:cs typeface="ARRIVAL Apercu" charset="0"/>
+              </a:rPr>
+              <a:t>ARRIVAL LTD — Private &amp; Confidential.</a:t>
+            </a:r>
+          </a:p>
+        </p:txBody>
+      </p:sp>
+      <p:sp>
+        <p:nvSpPr>
+          <p:cNvPr id="2" name="TextBox 1">
+            <a:extLst>
+              <a:ext uri="{FF2B5EF4-FFF2-40B4-BE49-F238E27FC236}">
+                <a16:creationId xmlns:a16="http://schemas.microsoft.com/office/drawing/2014/main" id="{0308D278-95AE-4ED8-BF98-6FF12BBA6D71}"/>
+              </a:ext>
+            </a:extLst>
+          </p:cNvPr>
+          <p:cNvSpPr txBox="1"/>
+          <p:nvPr/>
+        </p:nvSpPr>
+        <p:spPr>
+          <a:xfrm>
+            <a:off x="2435698" y="2376593"/>
+            <a:ext cx="20758826" cy="9008234"/>
+          </a:xfrm>
+          <a:prstGeom prst="rect">
+            <a:avLst/>
+          </a:prstGeom>
+          <a:noFill/>
+          <a:ln w="12700" cap="flat">
+            <a:noFill/>
+            <a:miter lim="400000"/>
+          </a:ln>
+          <a:effectLst/>
+          <a:sp3d/>
+        </p:spPr>
+        <p:style>
+          <a:lnRef idx="0">
+            <a:scrgbClr r="0" g="0" b="0"/>
+          </a:lnRef>
+          <a:fillRef idx="0">
+            <a:scrgbClr r="0" g="0" b="0"/>
+          </a:fillRef>
+          <a:effectRef idx="0">
+            <a:scrgbClr r="0" g="0" b="0"/>
+          </a:effectRef>
+          <a:fontRef idx="none"/>
+        </p:style>
+        <p:txBody>
+          <a:bodyPr rot="0" spcFirstLastPara="1" vertOverflow="overflow" horzOverflow="overflow" vert="horz" wrap="square" lIns="71437" tIns="71437" rIns="71437" bIns="71437" numCol="1" spcCol="38100" rtlCol="0" anchor="ctr">
+            <a:spAutoFit/>
+          </a:bodyPr>
+          <a:lstStyle/>
+          <a:p>
+            <a:pPr algn="l">
+              <a:lnSpc>
+                <a:spcPct val="150000"/>
+              </a:lnSpc>
+            </a:pPr>
+            <a:r>
+              <a:rPr lang="en-GB" sz="4800" dirty="0">
+                <a:latin typeface="ARRIVAL Apercu" panose="020B0503050601040103" pitchFamily="34" charset="0"/>
+              </a:rPr>
+              <a:t>Sections coming soon: </a:t>
+            </a:r>
+            <a:endParaRPr kumimoji="0" lang="en-GB" sz="4800" b="0" i="0" u="none" strike="noStrike" cap="none" spc="0" normalizeH="0" baseline="0" dirty="0">
+              <a:ln>
+                <a:noFill/>
+              </a:ln>
+              <a:solidFill>
+                <a:srgbClr val="000000"/>
+              </a:solidFill>
+              <a:effectLst/>
+              <a:uFillTx/>
+              <a:latin typeface="ARRIVAL Apercu" panose="020B0503050601040103" pitchFamily="34" charset="0"/>
+              <a:sym typeface="Helvetica Neue"/>
+            </a:endParaRPr>
+          </a:p>
+          <a:p>
+            <a:pPr marL="857250" marR="0" indent="-857250" algn="l" defTabSz="821531" rtl="0" fontAlgn="auto" latinLnBrk="0" hangingPunct="0">
+              <a:lnSpc>
+                <a:spcPct val="150000"/>
+              </a:lnSpc>
+              <a:spcBef>
+                <a:spcPts val="0"/>
+              </a:spcBef>
+              <a:spcAft>
+                <a:spcPts val="0"/>
+              </a:spcAft>
+              <a:buClrTx/>
+              <a:buSzTx/>
+              <a:buFont typeface="Arial" panose="020B0604020202020204" pitchFamily="34" charset="0"/>
+              <a:buChar char="•"/>
+              <a:tabLst/>
+            </a:pPr>
+            <a:r>
+              <a:rPr kumimoji="0" lang="en-GB" sz="4800" b="0" i="0" u="none" strike="noStrike" cap="none" spc="0" normalizeH="0" baseline="0" dirty="0">
+                <a:ln>
+                  <a:noFill/>
+                </a:ln>
+                <a:solidFill>
+                  <a:srgbClr val="000000"/>
+                </a:solidFill>
+                <a:effectLst/>
+                <a:uFillTx/>
+                <a:latin typeface="ARRIVAL Apercu" panose="020B0503050601040103" pitchFamily="34" charset="0"/>
+                <a:sym typeface="Helvetica Neue"/>
+              </a:rPr>
+              <a:t>Regenerative Braking</a:t>
+            </a:r>
+          </a:p>
+          <a:p>
+            <a:pPr marL="857250" marR="0" indent="-857250" algn="l" defTabSz="821531" rtl="0" fontAlgn="auto" latinLnBrk="0" hangingPunct="0">
+              <a:lnSpc>
+                <a:spcPct val="150000"/>
+              </a:lnSpc>
+              <a:spcBef>
+                <a:spcPts val="0"/>
+              </a:spcBef>
+              <a:spcAft>
+                <a:spcPts val="0"/>
+              </a:spcAft>
+              <a:buClrTx/>
+              <a:buSzTx/>
+              <a:buFont typeface="Arial" panose="020B0604020202020204" pitchFamily="34" charset="0"/>
+              <a:buChar char="•"/>
+              <a:tabLst/>
+            </a:pPr>
+            <a:r>
+              <a:rPr lang="en-GB" sz="4800" b="0" dirty="0">
+                <a:latin typeface="ARRIVAL Apercu" panose="020B0503050601040103" pitchFamily="34" charset="0"/>
+              </a:rPr>
+              <a:t>Battery SOC estimation</a:t>
+            </a:r>
+          </a:p>
+          <a:p>
+            <a:pPr marL="857250" marR="0" indent="-857250" algn="l" defTabSz="821531" rtl="0" fontAlgn="auto" latinLnBrk="0" hangingPunct="0">
+              <a:lnSpc>
+                <a:spcPct val="150000"/>
+              </a:lnSpc>
+              <a:spcBef>
+                <a:spcPts val="0"/>
+              </a:spcBef>
+              <a:spcAft>
+                <a:spcPts val="0"/>
+              </a:spcAft>
+              <a:buClrTx/>
+              <a:buSzTx/>
+              <a:buFont typeface="Arial" panose="020B0604020202020204" pitchFamily="34" charset="0"/>
+              <a:buChar char="•"/>
+              <a:tabLst/>
+            </a:pPr>
+            <a:r>
+              <a:rPr lang="en-GB" sz="4800" b="0" dirty="0">
+                <a:latin typeface="ARRIVAL Apercu" panose="020B0503050601040103" pitchFamily="34" charset="0"/>
+              </a:rPr>
+              <a:t>Battery Temperature Estimation (charge and discharge)</a:t>
+            </a:r>
+          </a:p>
+          <a:p>
+            <a:pPr marL="857250" marR="0" indent="-857250" algn="l" defTabSz="821531" rtl="0" fontAlgn="auto" latinLnBrk="0" hangingPunct="0">
+              <a:lnSpc>
+                <a:spcPct val="150000"/>
+              </a:lnSpc>
+              <a:spcBef>
+                <a:spcPts val="0"/>
+              </a:spcBef>
+              <a:spcAft>
+                <a:spcPts val="0"/>
+              </a:spcAft>
+              <a:buClrTx/>
+              <a:buSzTx/>
+              <a:buFont typeface="Arial" panose="020B0604020202020204" pitchFamily="34" charset="0"/>
+              <a:buChar char="•"/>
+              <a:tabLst/>
+            </a:pPr>
+            <a:r>
+              <a:rPr lang="en-GB" sz="4800" b="0" dirty="0">
+                <a:latin typeface="ARRIVAL Apercu" panose="020B0503050601040103" pitchFamily="34" charset="0"/>
+              </a:rPr>
+              <a:t>Battery Configuration Output (Max Current, Capacity etc)</a:t>
+            </a:r>
+          </a:p>
+          <a:p>
+            <a:pPr marL="857250" marR="0" indent="-857250" algn="l" defTabSz="821531" rtl="0" fontAlgn="auto" latinLnBrk="0" hangingPunct="0">
+              <a:lnSpc>
+                <a:spcPct val="150000"/>
+              </a:lnSpc>
+              <a:spcBef>
+                <a:spcPts val="0"/>
+              </a:spcBef>
+              <a:spcAft>
+                <a:spcPts val="0"/>
+              </a:spcAft>
+              <a:buClrTx/>
+              <a:buSzTx/>
+              <a:buFont typeface="Arial" panose="020B0604020202020204" pitchFamily="34" charset="0"/>
+              <a:buChar char="•"/>
+              <a:tabLst/>
+            </a:pPr>
+            <a:r>
+              <a:rPr lang="en-GB" sz="4800" b="0" dirty="0">
+                <a:latin typeface="ARRIVAL Apercu" panose="020B0503050601040103" pitchFamily="34" charset="0"/>
+              </a:rPr>
+              <a:t>Use the tool on your phone</a:t>
+            </a:r>
+          </a:p>
+          <a:p>
+            <a:pPr marL="857250" marR="0" indent="-857250" algn="l" defTabSz="821531" rtl="0" fontAlgn="auto" latinLnBrk="0" hangingPunct="0">
+              <a:lnSpc>
+                <a:spcPct val="150000"/>
+              </a:lnSpc>
+              <a:spcBef>
+                <a:spcPts val="0"/>
+              </a:spcBef>
+              <a:spcAft>
+                <a:spcPts val="0"/>
+              </a:spcAft>
+              <a:buClrTx/>
+              <a:buSzTx/>
+              <a:buFont typeface="Arial" panose="020B0604020202020204" pitchFamily="34" charset="0"/>
+              <a:buChar char="•"/>
+              <a:tabLst/>
+            </a:pPr>
+            <a:r>
+              <a:rPr lang="en-GB" sz="4800" b="0" dirty="0">
+                <a:latin typeface="ARRIVAL Apercu" panose="020B0503050601040103" pitchFamily="34" charset="0"/>
+              </a:rPr>
+              <a:t>CSV Import of drive cycles and recorded CAN data</a:t>
+            </a:r>
+          </a:p>
+          <a:p>
+            <a:pPr marL="857250" marR="0" indent="-857250" algn="l" defTabSz="821531" rtl="0" fontAlgn="auto" latinLnBrk="0" hangingPunct="0">
+              <a:lnSpc>
+                <a:spcPct val="150000"/>
+              </a:lnSpc>
+              <a:spcBef>
+                <a:spcPts val="0"/>
+              </a:spcBef>
+              <a:spcAft>
+                <a:spcPts val="0"/>
+              </a:spcAft>
+              <a:buClrTx/>
+              <a:buSzTx/>
+              <a:buFont typeface="Arial" panose="020B0604020202020204" pitchFamily="34" charset="0"/>
+              <a:buChar char="•"/>
+              <a:tabLst/>
+            </a:pPr>
+            <a:r>
+              <a:rPr lang="en-GB" sz="4800" b="0" dirty="0">
+                <a:latin typeface="ARRIVAL Apercu" panose="020B0503050601040103" pitchFamily="34" charset="0"/>
+              </a:rPr>
+              <a:t>CSV export of simulated values</a:t>
+            </a:r>
+          </a:p>
+        </p:txBody>
+      </p:sp>
+      <p:sp>
+        <p:nvSpPr>
+          <p:cNvPr id="4" name="Slide Number Placeholder 2">
+            <a:extLst>
+              <a:ext uri="{FF2B5EF4-FFF2-40B4-BE49-F238E27FC236}">
+                <a16:creationId xmlns:a16="http://schemas.microsoft.com/office/drawing/2014/main" id="{6AF11E55-A695-4BA1-ABE3-914A51836041}"/>
+              </a:ext>
+            </a:extLst>
+          </p:cNvPr>
+          <p:cNvSpPr>
+            <a:spLocks noGrp="1"/>
+          </p:cNvSpPr>
+          <p:nvPr>
+            <p:ph type="sldNum" sz="quarter" idx="2"/>
+          </p:nvPr>
+        </p:nvSpPr>
+        <p:spPr>
+          <a:xfrm>
+            <a:off x="1625600" y="1346635"/>
+            <a:ext cx="635000" cy="412322"/>
+          </a:xfrm>
+        </p:spPr>
+        <p:txBody>
+          <a:bodyPr/>
+          <a:lstStyle/>
+          <a:p>
+            <a:fld id="{86CB4B4D-7CA3-9044-876B-883B54F8677D}" type="slidenum">
+              <a:rPr lang="uk-UA" smtClean="0"/>
+              <a:pPr/>
+              <a:t>12</a:t>
+            </a:fld>
+            <a:endParaRPr lang="uk-UA" dirty="0"/>
+          </a:p>
+        </p:txBody>
+      </p:sp>
+    </p:spTree>
+    <p:extLst>
+      <p:ext uri="{BB962C8B-B14F-4D97-AF65-F5344CB8AC3E}">
+        <p14:creationId xmlns:p14="http://schemas.microsoft.com/office/powerpoint/2010/main" val="2100815724"/>
+      </p:ext>
+    </p:extLst>
+  </p:cSld>
+  <p:clrMapOvr>
+    <a:masterClrMapping/>
+  </p:clrMapOvr>
+  <p:transition spd="med"/>
+</p:sld>
+</file>
+
+<file path=ppt/slides/slide13.xml><?xml version="1.0" encoding="utf-8"?>
+<p:sld xmlns:a="http://schemas.openxmlformats.org/drawingml/2006/main" xmlns:r="http://schemas.openxmlformats.org/officeDocument/2006/relationships" xmlns:p="http://schemas.openxmlformats.org/presentationml/2006/main">
+  <p:cSld>
+    <p:spTree>
+      <p:nvGrpSpPr>
+        <p:cNvPr id="1" name=""/>
+        <p:cNvGrpSpPr/>
+        <p:nvPr/>
+      </p:nvGrpSpPr>
+      <p:grpSpPr>
+        <a:xfrm>
+          <a:off x="0" y="0"/>
+          <a:ext cx="0" cy="0"/>
+          <a:chOff x="0" y="0"/>
+          <a:chExt cx="0" cy="0"/>
+        </a:xfrm>
+      </p:grpSpPr>
+      <p:sp>
+        <p:nvSpPr>
+          <p:cNvPr id="14" name="Text Placeholder 3"/>
+          <p:cNvSpPr>
+            <a:spLocks noGrp="1"/>
+          </p:cNvSpPr>
+          <p:nvPr>
+            <p:ph type="body" sz="quarter" idx="4294967295"/>
+          </p:nvPr>
+        </p:nvSpPr>
+        <p:spPr>
+          <a:xfrm>
+            <a:off x="1574041" y="12814522"/>
+            <a:ext cx="3682418" cy="338554"/>
+          </a:xfrm>
+          <a:prstGeom prst="rect">
+            <a:avLst/>
+          </a:prstGeom>
+        </p:spPr>
+        <p:txBody>
+          <a:bodyPr/>
+          <a:lstStyle/>
+          <a:p>
+            <a:pPr algn="l"/>
+            <a:r>
+              <a:rPr lang="en-US" sz="1600" dirty="0">
+                <a:solidFill>
+                  <a:srgbClr val="B1B2B4"/>
+                </a:solidFill>
+                <a:latin typeface="ARRIVAL Apercu" charset="0"/>
+                <a:ea typeface="ARRIVAL Apercu" charset="0"/>
+                <a:cs typeface="ARRIVAL Apercu" charset="0"/>
+              </a:rPr>
+              <a:t>ARRIVAL LTD — Private &amp; Confidential.</a:t>
+            </a:r>
+          </a:p>
+        </p:txBody>
+      </p:sp>
+      <p:sp>
+        <p:nvSpPr>
+          <p:cNvPr id="2" name="TextBox 1">
+            <a:extLst>
+              <a:ext uri="{FF2B5EF4-FFF2-40B4-BE49-F238E27FC236}">
+                <a16:creationId xmlns:a16="http://schemas.microsoft.com/office/drawing/2014/main" id="{0308D278-95AE-4ED8-BF98-6FF12BBA6D71}"/>
+              </a:ext>
+            </a:extLst>
+          </p:cNvPr>
+          <p:cNvSpPr txBox="1"/>
+          <p:nvPr/>
+        </p:nvSpPr>
+        <p:spPr>
+          <a:xfrm>
+            <a:off x="2435698" y="3309491"/>
+            <a:ext cx="20758826" cy="6792243"/>
+          </a:xfrm>
+          <a:prstGeom prst="rect">
+            <a:avLst/>
+          </a:prstGeom>
+          <a:noFill/>
+          <a:ln w="12700" cap="flat">
+            <a:noFill/>
+            <a:miter lim="400000"/>
+          </a:ln>
+          <a:effectLst/>
+          <a:sp3d/>
+        </p:spPr>
+        <p:style>
+          <a:lnRef idx="0">
+            <a:scrgbClr r="0" g="0" b="0"/>
+          </a:lnRef>
+          <a:fillRef idx="0">
+            <a:scrgbClr r="0" g="0" b="0"/>
+          </a:fillRef>
+          <a:effectRef idx="0">
+            <a:scrgbClr r="0" g="0" b="0"/>
+          </a:effectRef>
+          <a:fontRef idx="none"/>
+        </p:style>
+        <p:txBody>
+          <a:bodyPr rot="0" spcFirstLastPara="1" vertOverflow="overflow" horzOverflow="overflow" vert="horz" wrap="square" lIns="71437" tIns="71437" rIns="71437" bIns="71437" numCol="1" spcCol="38100" rtlCol="0" anchor="ctr">
+            <a:spAutoFit/>
+          </a:bodyPr>
+          <a:lstStyle/>
+          <a:p>
+            <a:pPr algn="l">
+              <a:lnSpc>
+                <a:spcPct val="150000"/>
+              </a:lnSpc>
+            </a:pPr>
+            <a:r>
+              <a:rPr lang="en-GB" sz="4800" dirty="0">
+                <a:latin typeface="ARRIVAL Apercu" panose="020B0503050601040103" pitchFamily="34" charset="0"/>
+              </a:rPr>
+              <a:t>Where I need your help: </a:t>
+            </a:r>
+            <a:endParaRPr kumimoji="0" lang="en-GB" sz="4800" b="0" i="0" u="none" strike="noStrike" cap="none" spc="0" normalizeH="0" baseline="0" dirty="0">
+              <a:ln>
+                <a:noFill/>
+              </a:ln>
+              <a:solidFill>
+                <a:srgbClr val="000000"/>
+              </a:solidFill>
+              <a:effectLst/>
+              <a:uFillTx/>
+              <a:latin typeface="ARRIVAL Apercu" panose="020B0503050601040103" pitchFamily="34" charset="0"/>
+              <a:sym typeface="Helvetica Neue"/>
+            </a:endParaRPr>
+          </a:p>
+          <a:p>
+            <a:pPr marL="857250" marR="0" indent="-857250" algn="l" defTabSz="821531" rtl="0" fontAlgn="auto" latinLnBrk="0" hangingPunct="0">
+              <a:lnSpc>
+                <a:spcPct val="150000"/>
+              </a:lnSpc>
+              <a:spcBef>
+                <a:spcPts val="0"/>
+              </a:spcBef>
+              <a:spcAft>
+                <a:spcPts val="0"/>
+              </a:spcAft>
+              <a:buClrTx/>
+              <a:buSzTx/>
+              <a:buFont typeface="Arial" panose="020B0604020202020204" pitchFamily="34" charset="0"/>
+              <a:buChar char="•"/>
+              <a:tabLst/>
+            </a:pPr>
+            <a:r>
+              <a:rPr kumimoji="0" lang="en-GB" sz="4800" b="0" i="0" u="none" strike="noStrike" cap="none" spc="0" normalizeH="0" baseline="0" dirty="0">
+                <a:ln>
+                  <a:noFill/>
+                </a:ln>
+                <a:solidFill>
+                  <a:srgbClr val="000000"/>
+                </a:solidFill>
+                <a:effectLst/>
+                <a:uFillTx/>
+                <a:latin typeface="ARRIVAL Apercu" panose="020B0503050601040103" pitchFamily="34" charset="0"/>
+                <a:sym typeface="Helvetica Neue"/>
+              </a:rPr>
+              <a:t>Feedback on what is easy to use and what is not</a:t>
+            </a:r>
+          </a:p>
+          <a:p>
+            <a:pPr marL="857250" marR="0" indent="-857250" algn="l" defTabSz="821531" rtl="0" fontAlgn="auto" latinLnBrk="0" hangingPunct="0">
+              <a:lnSpc>
+                <a:spcPct val="150000"/>
+              </a:lnSpc>
+              <a:spcBef>
+                <a:spcPts val="0"/>
+              </a:spcBef>
+              <a:spcAft>
+                <a:spcPts val="0"/>
+              </a:spcAft>
+              <a:buClrTx/>
+              <a:buSzTx/>
+              <a:buFont typeface="Arial" panose="020B0604020202020204" pitchFamily="34" charset="0"/>
+              <a:buChar char="•"/>
+              <a:tabLst/>
+            </a:pPr>
+            <a:r>
+              <a:rPr kumimoji="0" lang="en-GB" sz="4800" b="0" i="0" u="none" strike="noStrike" cap="none" spc="0" normalizeH="0" baseline="0" dirty="0">
+                <a:ln>
+                  <a:noFill/>
+                </a:ln>
+                <a:solidFill>
+                  <a:srgbClr val="000000"/>
+                </a:solidFill>
+                <a:effectLst/>
+                <a:uFillTx/>
+                <a:latin typeface="ARRIVAL Apercu" panose="020B0503050601040103" pitchFamily="34" charset="0"/>
+                <a:sym typeface="Helvetica Neue"/>
+              </a:rPr>
+              <a:t>Extra feature requests</a:t>
+            </a:r>
+          </a:p>
+          <a:p>
+            <a:pPr marL="857250" marR="0" indent="-857250" algn="l" defTabSz="821531" rtl="0" fontAlgn="auto" latinLnBrk="0" hangingPunct="0">
+              <a:lnSpc>
+                <a:spcPct val="150000"/>
+              </a:lnSpc>
+              <a:spcBef>
+                <a:spcPts val="0"/>
+              </a:spcBef>
+              <a:spcAft>
+                <a:spcPts val="0"/>
+              </a:spcAft>
+              <a:buClrTx/>
+              <a:buSzTx/>
+              <a:buFont typeface="Arial" panose="020B0604020202020204" pitchFamily="34" charset="0"/>
+              <a:buChar char="•"/>
+              <a:tabLst/>
+            </a:pPr>
+            <a:r>
+              <a:rPr kumimoji="0" lang="en-GB" sz="4800" b="0" i="0" u="none" strike="noStrike" cap="none" spc="0" normalizeH="0" baseline="0" dirty="0">
+                <a:ln>
+                  <a:noFill/>
+                </a:ln>
+                <a:solidFill>
+                  <a:srgbClr val="000000"/>
+                </a:solidFill>
+                <a:effectLst/>
+                <a:uFillTx/>
+                <a:latin typeface="ARRIVAL Apercu" panose="020B0503050601040103" pitchFamily="34" charset="0"/>
+                <a:sym typeface="Helvetica Neue"/>
+              </a:rPr>
+              <a:t>Drive cycle details</a:t>
+            </a:r>
+          </a:p>
+          <a:p>
+            <a:pPr marL="857250" marR="0" indent="-857250" algn="l" defTabSz="821531" rtl="0" fontAlgn="auto" latinLnBrk="0" hangingPunct="0">
+              <a:lnSpc>
+                <a:spcPct val="150000"/>
+              </a:lnSpc>
+              <a:spcBef>
+                <a:spcPts val="0"/>
+              </a:spcBef>
+              <a:spcAft>
+                <a:spcPts val="0"/>
+              </a:spcAft>
+              <a:buClrTx/>
+              <a:buSzTx/>
+              <a:buFont typeface="Arial" panose="020B0604020202020204" pitchFamily="34" charset="0"/>
+              <a:buChar char="•"/>
+              <a:tabLst/>
+            </a:pPr>
+            <a:r>
+              <a:rPr kumimoji="0" lang="en-GB" sz="4800" b="0" i="0" u="none" strike="noStrike" cap="none" spc="0" normalizeH="0" baseline="0" dirty="0">
+                <a:ln>
+                  <a:noFill/>
+                </a:ln>
+                <a:solidFill>
+                  <a:srgbClr val="000000"/>
+                </a:solidFill>
+                <a:effectLst/>
+                <a:uFillTx/>
+                <a:latin typeface="ARRIVAL Apercu" panose="020B0503050601040103" pitchFamily="34" charset="0"/>
+                <a:sym typeface="Helvetica Neue"/>
+              </a:rPr>
+              <a:t>More vehicle details to add to auto load menu (B12, POD, </a:t>
+            </a:r>
+            <a:r>
+              <a:rPr kumimoji="0" lang="en-GB" sz="4800" b="0" i="0" u="none" strike="noStrike" cap="none" spc="0" normalizeH="0" baseline="0" dirty="0" err="1">
+                <a:ln>
+                  <a:noFill/>
+                </a:ln>
+                <a:solidFill>
+                  <a:srgbClr val="000000"/>
+                </a:solidFill>
+                <a:effectLst/>
+                <a:uFillTx/>
+                <a:latin typeface="ARRIVAL Apercu" panose="020B0503050601040103" pitchFamily="34" charset="0"/>
+                <a:sym typeface="Helvetica Neue"/>
+              </a:rPr>
+              <a:t>Kamaz</a:t>
+            </a:r>
+            <a:r>
+              <a:rPr kumimoji="0" lang="en-GB" sz="4800" b="0" i="0" u="none" strike="noStrike" cap="none" spc="0" normalizeH="0" baseline="0" dirty="0">
+                <a:ln>
+                  <a:noFill/>
+                </a:ln>
+                <a:solidFill>
+                  <a:srgbClr val="000000"/>
+                </a:solidFill>
+                <a:effectLst/>
+                <a:uFillTx/>
+                <a:latin typeface="ARRIVAL Apercu" panose="020B0503050601040103" pitchFamily="34" charset="0"/>
+                <a:sym typeface="Helvetica Neue"/>
+              </a:rPr>
+              <a:t>)</a:t>
+            </a:r>
+          </a:p>
+          <a:p>
+            <a:pPr marL="857250" marR="0" indent="-857250" algn="l" defTabSz="821531" rtl="0" fontAlgn="auto" latinLnBrk="0" hangingPunct="0">
+              <a:lnSpc>
+                <a:spcPct val="150000"/>
+              </a:lnSpc>
+              <a:spcBef>
+                <a:spcPts val="0"/>
+              </a:spcBef>
+              <a:spcAft>
+                <a:spcPts val="0"/>
+              </a:spcAft>
+              <a:buClrTx/>
+              <a:buSzTx/>
+              <a:buFont typeface="Arial" panose="020B0604020202020204" pitchFamily="34" charset="0"/>
+              <a:buChar char="•"/>
+              <a:tabLst/>
+            </a:pPr>
+            <a:endParaRPr lang="en-GB" sz="4800" b="0" dirty="0">
+              <a:latin typeface="ARRIVAL Apercu" panose="020B0503050601040103" pitchFamily="34" charset="0"/>
+            </a:endParaRPr>
+          </a:p>
+        </p:txBody>
+      </p:sp>
+      <p:sp>
+        <p:nvSpPr>
+          <p:cNvPr id="4" name="Slide Number Placeholder 2">
+            <a:extLst>
+              <a:ext uri="{FF2B5EF4-FFF2-40B4-BE49-F238E27FC236}">
+                <a16:creationId xmlns:a16="http://schemas.microsoft.com/office/drawing/2014/main" id="{6AF11E55-A695-4BA1-ABE3-914A51836041}"/>
+              </a:ext>
+            </a:extLst>
+          </p:cNvPr>
+          <p:cNvSpPr>
+            <a:spLocks noGrp="1"/>
+          </p:cNvSpPr>
+          <p:nvPr>
+            <p:ph type="sldNum" sz="quarter" idx="2"/>
+          </p:nvPr>
+        </p:nvSpPr>
+        <p:spPr>
+          <a:xfrm>
+            <a:off x="1625600" y="1346635"/>
+            <a:ext cx="635000" cy="412322"/>
+          </a:xfrm>
+        </p:spPr>
+        <p:txBody>
+          <a:bodyPr/>
+          <a:lstStyle/>
+          <a:p>
+            <a:fld id="{86CB4B4D-7CA3-9044-876B-883B54F8677D}" type="slidenum">
+              <a:rPr lang="uk-UA" smtClean="0"/>
+              <a:pPr/>
+              <a:t>13</a:t>
+            </a:fld>
+            <a:endParaRPr lang="uk-UA" dirty="0"/>
+          </a:p>
+        </p:txBody>
+      </p:sp>
+    </p:spTree>
+    <p:extLst>
+      <p:ext uri="{BB962C8B-B14F-4D97-AF65-F5344CB8AC3E}">
+        <p14:creationId xmlns:p14="http://schemas.microsoft.com/office/powerpoint/2010/main" val="1618758057"/>
+      </p:ext>
+    </p:extLst>
+  </p:cSld>
+  <p:clrMapOvr>
+    <a:masterClrMapping/>
+  </p:clrMapOvr>
+  <p:transition spd="med"/>
+</p:sld>
+</file>
+
+<file path=ppt/slides/slide14.xml><?xml version="1.0" encoding="utf-8"?>
+<p:sld xmlns:a="http://schemas.openxmlformats.org/drawingml/2006/main" xmlns:r="http://schemas.openxmlformats.org/officeDocument/2006/relationships" xmlns:p="http://schemas.openxmlformats.org/presentationml/2006/main">
+  <p:cSld>
+    <p:spTree>
+      <p:nvGrpSpPr>
+        <p:cNvPr id="1" name=""/>
+        <p:cNvGrpSpPr/>
+        <p:nvPr/>
+      </p:nvGrpSpPr>
+      <p:grpSpPr>
+        <a:xfrm>
+          <a:off x="0" y="0"/>
+          <a:ext cx="0" cy="0"/>
+          <a:chOff x="0" y="0"/>
+          <a:chExt cx="0" cy="0"/>
+        </a:xfrm>
+      </p:grpSpPr>
+      <p:sp>
+        <p:nvSpPr>
+          <p:cNvPr id="2" name="Slide Number Placeholder 1"/>
+          <p:cNvSpPr>
+            <a:spLocks noGrp="1"/>
+          </p:cNvSpPr>
+          <p:nvPr>
+            <p:ph type="sldNum" sz="quarter" idx="2"/>
+          </p:nvPr>
+        </p:nvSpPr>
+        <p:spPr/>
+        <p:txBody>
+          <a:bodyPr/>
+          <a:lstStyle/>
+          <a:p>
+            <a:fld id="{86CB4B4D-7CA3-9044-876B-883B54F8677D}" type="slidenum">
+              <a:rPr lang="uk-UA" smtClean="0"/>
+              <a:pPr/>
+              <a:t>14</a:t>
+            </a:fld>
+            <a:endParaRPr lang="uk-UA" dirty="0"/>
+          </a:p>
+        </p:txBody>
+      </p:sp>
+      <p:sp>
+        <p:nvSpPr>
+          <p:cNvPr id="4" name="Text Placeholder 3"/>
+          <p:cNvSpPr>
+            <a:spLocks noGrp="1"/>
+          </p:cNvSpPr>
+          <p:nvPr>
+            <p:ph type="body" sz="quarter" idx="15"/>
+          </p:nvPr>
+        </p:nvSpPr>
+        <p:spPr>
+          <a:xfrm>
+            <a:off x="1574041" y="12814522"/>
+            <a:ext cx="3682418" cy="338554"/>
+          </a:xfrm>
+        </p:spPr>
+        <p:txBody>
+          <a:bodyPr/>
+          <a:lstStyle/>
+          <a:p>
+            <a:pPr algn="l"/>
+            <a:r>
+              <a:rPr lang="en-US" sz="1600" dirty="0">
+                <a:solidFill>
+                  <a:srgbClr val="B1B2B4"/>
+                </a:solidFill>
+                <a:latin typeface="ARRIVAL Apercu" charset="0"/>
+                <a:ea typeface="ARRIVAL Apercu" charset="0"/>
+                <a:cs typeface="ARRIVAL Apercu" charset="0"/>
+              </a:rPr>
+              <a:t>ARRIVAL LTD — Private &amp; Confidential.</a:t>
+            </a:r>
+          </a:p>
+        </p:txBody>
+      </p:sp>
+    </p:spTree>
+    <p:extLst>
+      <p:ext uri="{BB962C8B-B14F-4D97-AF65-F5344CB8AC3E}">
+        <p14:creationId xmlns:p14="http://schemas.microsoft.com/office/powerpoint/2010/main" val="1803370560"/>
       </p:ext>
     </p:extLst>
   </p:cSld>
@@ -3167,10 +4069,10 @@
       </p:sp>
       <p:sp>
         <p:nvSpPr>
-          <p:cNvPr id="6" name="TextBox 5">
+          <p:cNvPr id="2" name="TextBox 1">
             <a:extLst>
               <a:ext uri="{FF2B5EF4-FFF2-40B4-BE49-F238E27FC236}">
-                <a16:creationId xmlns:a16="http://schemas.microsoft.com/office/drawing/2014/main" id="{2714EBA3-3725-4374-A8DE-9360E04B4D96}"/>
+                <a16:creationId xmlns:a16="http://schemas.microsoft.com/office/drawing/2014/main" id="{0308D278-95AE-4ED8-BF98-6FF12BBA6D71}"/>
               </a:ext>
             </a:extLst>
           </p:cNvPr>
@@ -3179,8 +4081,8 @@
         </p:nvSpPr>
         <p:spPr>
           <a:xfrm>
-            <a:off x="1904782" y="2153334"/>
-            <a:ext cx="17879438" cy="2637259"/>
+            <a:off x="2727528" y="2677620"/>
+            <a:ext cx="17647815" cy="7715573"/>
           </a:xfrm>
           <a:prstGeom prst="rect">
             <a:avLst/>
@@ -3211,47 +4113,28 @@
           </a:bodyPr>
           <a:lstStyle/>
           <a:p>
-            <a:pPr marL="0" marR="0" indent="0" algn="l" defTabSz="821531" rtl="0" fontAlgn="auto" latinLnBrk="0" hangingPunct="0">
-              <a:lnSpc>
-                <a:spcPct val="100000"/>
-              </a:lnSpc>
-              <a:spcBef>
-                <a:spcPts val="0"/>
-              </a:spcBef>
-              <a:spcAft>
-                <a:spcPts val="0"/>
-              </a:spcAft>
-              <a:buClrTx/>
-              <a:buSzTx/>
-              <a:buFontTx/>
-              <a:buNone/>
-              <a:tabLst/>
-            </a:pPr>
-            <a:r>
-              <a:rPr lang="en-GB" sz="5400" b="0" dirty="0">
+            <a:r>
+              <a:rPr lang="en-GB" sz="4800" dirty="0">
                 <a:latin typeface="ARRIVAL Apercu" panose="020B0503050601040103" pitchFamily="34" charset="0"/>
               </a:rPr>
-              <a:t>What is our Vehicle Range?</a:t>
-            </a:r>
-          </a:p>
-          <a:p>
-            <a:pPr marL="0" marR="0" indent="0" algn="l" defTabSz="821531" rtl="0" fontAlgn="auto" latinLnBrk="0" hangingPunct="0">
-              <a:lnSpc>
-                <a:spcPct val="100000"/>
-              </a:lnSpc>
-              <a:spcBef>
-                <a:spcPts val="0"/>
-              </a:spcBef>
-              <a:spcAft>
-                <a:spcPts val="0"/>
-              </a:spcAft>
-              <a:buClrTx/>
-              <a:buSzTx/>
-              <a:buFontTx/>
-              <a:buNone/>
-              <a:tabLst/>
-            </a:pPr>
-            <a:endParaRPr kumimoji="0" lang="en-GB" sz="5400" b="0" i="0" u="none" strike="noStrike" cap="none" spc="0" normalizeH="0" baseline="0" dirty="0">
+              <a:t>Simulation Today</a:t>
+            </a:r>
+          </a:p>
+          <a:p>
+            <a:endParaRPr lang="en-GB" sz="4800" b="0" dirty="0">
+              <a:latin typeface="ARRIVAL Apercu" panose="020B0503050601040103" pitchFamily="34" charset="0"/>
+            </a:endParaRPr>
+          </a:p>
+          <a:p>
+            <a:r>
+              <a:rPr lang="en-GB" sz="4800" b="0" dirty="0">
+                <a:latin typeface="ARRIVAL Apercu" panose="020B0503050601040103" pitchFamily="34" charset="0"/>
+              </a:rPr>
+              <a:t>We have many advanced simulation tools within Arrival.</a:t>
+            </a:r>
+          </a:p>
+          <a:p>
+            <a:endParaRPr kumimoji="0" lang="en-GB" sz="4800" b="0" i="0" u="none" strike="noStrike" cap="none" spc="0" normalizeH="0" baseline="0" dirty="0">
               <a:ln>
                 <a:noFill/>
               </a:ln>
@@ -3261,33 +4144,62 @@
               <a:effectLst/>
               <a:uFillTx/>
               <a:latin typeface="ARRIVAL Apercu" panose="020B0503050601040103" pitchFamily="34" charset="0"/>
+              <a:ea typeface="Helvetica Neue"/>
+              <a:cs typeface="Helvetica Neue"/>
               <a:sym typeface="Helvetica Neue"/>
             </a:endParaRPr>
           </a:p>
           <a:p>
-            <a:pPr marL="0" marR="0" indent="0" algn="l" defTabSz="821531" rtl="0" fontAlgn="auto" latinLnBrk="0" hangingPunct="0">
-              <a:lnSpc>
-                <a:spcPct val="100000"/>
-              </a:lnSpc>
-              <a:spcBef>
-                <a:spcPts val="0"/>
-              </a:spcBef>
-              <a:spcAft>
-                <a:spcPts val="0"/>
-              </a:spcAft>
-              <a:buClrTx/>
-              <a:buSzTx/>
-              <a:buFontTx/>
-              <a:buNone/>
-              <a:tabLst/>
-            </a:pPr>
-            <a:r>
-              <a:rPr lang="en-GB" sz="5400" b="0" dirty="0">
+            <a:r>
+              <a:rPr kumimoji="0" lang="en-GB" sz="4800" b="0" i="0" u="none" strike="noStrike" cap="none" spc="0" normalizeH="0" baseline="0" dirty="0">
+                <a:ln>
+                  <a:noFill/>
+                </a:ln>
+                <a:solidFill>
+                  <a:srgbClr val="000000"/>
+                </a:solidFill>
+                <a:effectLst/>
+                <a:uFillTx/>
                 <a:latin typeface="ARRIVAL Apercu" panose="020B0503050601040103" pitchFamily="34" charset="0"/>
-              </a:rPr>
-              <a:t>No simple answer</a:t>
-            </a:r>
-            <a:endParaRPr kumimoji="0" lang="en-GB" sz="5400" b="0" i="0" u="none" strike="noStrike" cap="none" spc="0" normalizeH="0" baseline="0" dirty="0">
+                <a:ea typeface="Helvetica Neue"/>
+                <a:cs typeface="Helvetica Neue"/>
+                <a:sym typeface="Helvetica Neue"/>
+              </a:rPr>
+              <a:t>We have collected huge amounts of real test data.</a:t>
+            </a:r>
+          </a:p>
+          <a:p>
+            <a:endParaRPr lang="en-GB" sz="4800" b="0" dirty="0">
+              <a:latin typeface="ARRIVAL Apercu" panose="020B0503050601040103" pitchFamily="34" charset="0"/>
+            </a:endParaRPr>
+          </a:p>
+          <a:p>
+            <a:r>
+              <a:rPr kumimoji="0" lang="en-GB" sz="4800" b="0" i="0" u="none" strike="noStrike" cap="none" spc="0" normalizeH="0" baseline="0" dirty="0">
+                <a:ln>
+                  <a:noFill/>
+                </a:ln>
+                <a:solidFill>
+                  <a:srgbClr val="000000"/>
+                </a:solidFill>
+                <a:effectLst/>
+                <a:uFillTx/>
+                <a:latin typeface="ARRIVAL Apercu" panose="020B0503050601040103" pitchFamily="34" charset="0"/>
+                <a:ea typeface="Helvetica Neue"/>
+                <a:cs typeface="Helvetica Neue"/>
+                <a:sym typeface="Helvetica Neue"/>
+              </a:rPr>
+              <a:t>We are using these tools and </a:t>
+            </a:r>
+            <a:r>
+              <a:rPr lang="en-GB" sz="4800" b="0" dirty="0">
+                <a:latin typeface="ARRIVAL Apercu" panose="020B0503050601040103" pitchFamily="34" charset="0"/>
+              </a:rPr>
+              <a:t>data to predict and optimise the performance of our vehicles.</a:t>
+            </a:r>
+          </a:p>
+          <a:p>
+            <a:endParaRPr kumimoji="0" lang="en-GB" sz="4800" b="0" i="0" u="none" strike="noStrike" cap="none" spc="0" normalizeH="0" baseline="0" dirty="0">
               <a:ln>
                 <a:noFill/>
               </a:ln>
@@ -3297,15 +4209,74 @@
               <a:effectLst/>
               <a:uFillTx/>
               <a:latin typeface="ARRIVAL Apercu" panose="020B0503050601040103" pitchFamily="34" charset="0"/>
+              <a:ea typeface="Helvetica Neue"/>
+              <a:cs typeface="Helvetica Neue"/>
               <a:sym typeface="Helvetica Neue"/>
             </a:endParaRPr>
+          </a:p>
+          <a:p>
+            <a:r>
+              <a:rPr lang="en-GB" sz="4800" b="0" dirty="0">
+                <a:latin typeface="ARRIVAL Apercu" panose="020B0503050601040103" pitchFamily="34" charset="0"/>
+              </a:rPr>
+              <a:t>This is great!</a:t>
+            </a:r>
+            <a:endParaRPr kumimoji="0" lang="en-GB" sz="6000" b="0" i="0" u="none" strike="noStrike" cap="none" spc="0" normalizeH="0" baseline="0" dirty="0">
+              <a:ln>
+                <a:noFill/>
+              </a:ln>
+              <a:solidFill>
+                <a:srgbClr val="000000"/>
+              </a:solidFill>
+              <a:effectLst/>
+              <a:uFillTx/>
+              <a:latin typeface="Helvetica Neue"/>
+              <a:ea typeface="Helvetica Neue"/>
+              <a:cs typeface="Helvetica Neue"/>
+              <a:sym typeface="Helvetica Neue"/>
+            </a:endParaRPr>
+          </a:p>
+        </p:txBody>
+      </p:sp>
+      <p:sp>
+        <p:nvSpPr>
+          <p:cNvPr id="7" name="Slide Number Placeholder 2">
+            <a:extLst>
+              <a:ext uri="{FF2B5EF4-FFF2-40B4-BE49-F238E27FC236}">
+                <a16:creationId xmlns:a16="http://schemas.microsoft.com/office/drawing/2014/main" id="{B399CE0F-DEEA-4821-B7E5-91BDC5D5367F}"/>
+              </a:ext>
+            </a:extLst>
+          </p:cNvPr>
+          <p:cNvSpPr>
+            <a:spLocks noGrp="1"/>
+          </p:cNvSpPr>
+          <p:nvPr>
+            <p:ph type="sldNum" sz="quarter" idx="2"/>
+          </p:nvPr>
+        </p:nvSpPr>
+        <p:spPr>
+          <a:xfrm>
+            <a:off x="1625600" y="1346635"/>
+            <a:ext cx="635000" cy="412322"/>
+          </a:xfrm>
+        </p:spPr>
+        <p:txBody>
+          <a:bodyPr/>
+          <a:lstStyle/>
+          <a:p>
+            <a:fld id="{86CB4B4D-7CA3-9044-876B-883B54F8677D}" type="slidenum">
+              <a:rPr lang="uk-UA" smtClean="0"/>
+              <a:pPr/>
+              <a:t>3</a:t>
+            </a:fld>
+            <a:endParaRPr lang="uk-UA" dirty="0"/>
           </a:p>
         </p:txBody>
       </p:sp>
     </p:spTree>
     <p:extLst>
       <p:ext uri="{BB962C8B-B14F-4D97-AF65-F5344CB8AC3E}">
-        <p14:creationId xmlns:p14="http://schemas.microsoft.com/office/powerpoint/2010/main" val="2019355808"/>
+        <p14:creationId xmlns:p14="http://schemas.microsoft.com/office/powerpoint/2010/main" val="3021900648"/>
       </p:ext>
     </p:extLst>
   </p:cSld>
@@ -3373,10 +4344,10 @@
       </p:sp>
       <p:sp>
         <p:nvSpPr>
-          <p:cNvPr id="6" name="TextBox 5">
+          <p:cNvPr id="2" name="TextBox 1">
             <a:extLst>
               <a:ext uri="{FF2B5EF4-FFF2-40B4-BE49-F238E27FC236}">
-                <a16:creationId xmlns:a16="http://schemas.microsoft.com/office/drawing/2014/main" id="{2714EBA3-3725-4374-A8DE-9360E04B4D96}"/>
+                <a16:creationId xmlns:a16="http://schemas.microsoft.com/office/drawing/2014/main" id="{0308D278-95AE-4ED8-BF98-6FF12BBA6D71}"/>
               </a:ext>
             </a:extLst>
           </p:cNvPr>
@@ -3385,8 +4356,8 @@
         </p:nvSpPr>
         <p:spPr>
           <a:xfrm>
-            <a:off x="2060424" y="2037331"/>
-            <a:ext cx="17879438" cy="975266"/>
+            <a:off x="1774218" y="2705913"/>
+            <a:ext cx="20268659" cy="6792243"/>
           </a:xfrm>
           <a:prstGeom prst="rect">
             <a:avLst/>
@@ -3417,29 +4388,28 @@
           </a:bodyPr>
           <a:lstStyle/>
           <a:p>
-            <a:pPr marL="0" marR="0" indent="0" algn="l" defTabSz="821531" rtl="0" fontAlgn="auto" latinLnBrk="0" hangingPunct="0">
-              <a:lnSpc>
-                <a:spcPct val="100000"/>
-              </a:lnSpc>
-              <a:spcBef>
-                <a:spcPts val="0"/>
-              </a:spcBef>
-              <a:spcAft>
-                <a:spcPts val="0"/>
-              </a:spcAft>
-              <a:buClrTx/>
-              <a:buSzTx/>
-              <a:buFontTx/>
-              <a:buNone/>
-              <a:tabLst/>
-            </a:pPr>
-            <a:r>
-              <a:rPr lang="en-GB" sz="5400" b="0" dirty="0">
+            <a:r>
+              <a:rPr lang="en-GB" sz="4800" dirty="0">
                 <a:latin typeface="ARRIVAL Apercu" panose="020B0503050601040103" pitchFamily="34" charset="0"/>
               </a:rPr>
-              <a:t>Current Status: Preview Only</a:t>
-            </a:r>
-            <a:endParaRPr kumimoji="0" lang="en-GB" sz="5400" b="0" i="0" u="none" strike="noStrike" cap="none" spc="0" normalizeH="0" baseline="0" dirty="0">
+              <a:t>The Problem</a:t>
+            </a:r>
+          </a:p>
+          <a:p>
+            <a:endParaRPr lang="en-GB" sz="4800" b="0" dirty="0">
+              <a:latin typeface="ARRIVAL Apercu" panose="020B0503050601040103" pitchFamily="34" charset="0"/>
+            </a:endParaRPr>
+          </a:p>
+          <a:p>
+            <a:r>
+              <a:rPr lang="en-GB" sz="4800" b="0" dirty="0">
+                <a:latin typeface="ARRIVAL Apercu" panose="020B0503050601040103" pitchFamily="34" charset="0"/>
+              </a:rPr>
+              <a:t>Simulation is difficult, and time consuming.</a:t>
+            </a:r>
+          </a:p>
+          <a:p>
+            <a:endParaRPr kumimoji="0" lang="en-GB" sz="4800" b="0" i="0" u="none" strike="noStrike" cap="none" spc="0" normalizeH="0" baseline="0" dirty="0">
               <a:ln>
                 <a:noFill/>
               </a:ln>
@@ -3449,15 +4419,98 @@
               <a:effectLst/>
               <a:uFillTx/>
               <a:latin typeface="ARRIVAL Apercu" panose="020B0503050601040103" pitchFamily="34" charset="0"/>
+              <a:ea typeface="Helvetica Neue"/>
+              <a:cs typeface="Helvetica Neue"/>
               <a:sym typeface="Helvetica Neue"/>
             </a:endParaRPr>
+          </a:p>
+          <a:p>
+            <a:r>
+              <a:rPr lang="en-GB" sz="4800" b="0" dirty="0">
+                <a:latin typeface="ARRIVAL Apercu" panose="020B0503050601040103" pitchFamily="34" charset="0"/>
+              </a:rPr>
+              <a:t>Only a few people in the company can run detailed simulations.</a:t>
+            </a:r>
+          </a:p>
+          <a:p>
+            <a:endParaRPr lang="en-GB" sz="4800" b="0" dirty="0">
+              <a:latin typeface="ARRIVAL Apercu" panose="020B0503050601040103" pitchFamily="34" charset="0"/>
+            </a:endParaRPr>
+          </a:p>
+          <a:p>
+            <a:r>
+              <a:rPr lang="en-GB" sz="4800" b="0" dirty="0">
+                <a:latin typeface="ARRIVAL Apercu" panose="020B0503050601040103" pitchFamily="34" charset="0"/>
+              </a:rPr>
+              <a:t>You often only need approximate answers - not precision calculations.</a:t>
+            </a:r>
+          </a:p>
+          <a:p>
+            <a:r>
+              <a:rPr lang="en-GB" sz="4800" b="0" dirty="0">
+                <a:latin typeface="ARRIVAL Apercu" panose="020B0503050601040103" pitchFamily="34" charset="0"/>
+              </a:rPr>
+              <a:t>And you want the answer in seconds.</a:t>
+            </a:r>
+            <a:endParaRPr lang="en-GB" sz="6000" b="0" dirty="0"/>
+          </a:p>
+          <a:p>
+            <a:endParaRPr kumimoji="0" lang="en-GB" sz="4800" b="0" i="0" u="none" strike="noStrike" cap="none" spc="0" normalizeH="0" baseline="0" dirty="0">
+              <a:ln>
+                <a:noFill/>
+              </a:ln>
+              <a:solidFill>
+                <a:srgbClr val="000000"/>
+              </a:solidFill>
+              <a:effectLst/>
+              <a:uFillTx/>
+              <a:latin typeface="ARRIVAL Apercu" panose="020B0503050601040103" pitchFamily="34" charset="0"/>
+              <a:ea typeface="Helvetica Neue"/>
+              <a:cs typeface="Helvetica Neue"/>
+              <a:sym typeface="Helvetica Neue"/>
+            </a:endParaRPr>
+          </a:p>
+        </p:txBody>
+      </p:sp>
+      <p:sp>
+        <p:nvSpPr>
+          <p:cNvPr id="7" name="Slide Number Placeholder 2">
+            <a:extLst>
+              <a:ext uri="{FF2B5EF4-FFF2-40B4-BE49-F238E27FC236}">
+                <a16:creationId xmlns:a16="http://schemas.microsoft.com/office/drawing/2014/main" id="{B399CE0F-DEEA-4821-B7E5-91BDC5D5367F}"/>
+              </a:ext>
+            </a:extLst>
+          </p:cNvPr>
+          <p:cNvSpPr>
+            <a:spLocks noGrp="1"/>
+          </p:cNvSpPr>
+          <p:nvPr>
+            <p:ph type="sldNum" sz="quarter" idx="2"/>
+          </p:nvPr>
+        </p:nvSpPr>
+        <p:spPr>
+          <a:xfrm>
+            <a:off x="1625600" y="1346635"/>
+            <a:ext cx="635000" cy="412322"/>
+          </a:xfrm>
+        </p:spPr>
+        <p:txBody>
+          <a:bodyPr/>
+          <a:lstStyle/>
+          <a:p>
+            <a:fld id="{86CB4B4D-7CA3-9044-876B-883B54F8677D}" type="slidenum">
+              <a:rPr lang="uk-UA" smtClean="0"/>
+              <a:pPr/>
+              <a:t>4</a:t>
+            </a:fld>
+            <a:endParaRPr lang="uk-UA" dirty="0"/>
           </a:p>
         </p:txBody>
       </p:sp>
     </p:spTree>
     <p:extLst>
       <p:ext uri="{BB962C8B-B14F-4D97-AF65-F5344CB8AC3E}">
-        <p14:creationId xmlns:p14="http://schemas.microsoft.com/office/powerpoint/2010/main" val="3021900648"/>
+        <p14:creationId xmlns:p14="http://schemas.microsoft.com/office/powerpoint/2010/main" val="1248945335"/>
       </p:ext>
     </p:extLst>
   </p:cSld>
@@ -3487,69 +4540,218 @@
       </p:grpSpPr>
       <p:sp>
         <p:nvSpPr>
-          <p:cNvPr id="2" name="Text Placeholder 1"/>
+          <p:cNvPr id="14" name="Text Placeholder 3"/>
           <p:cNvSpPr>
             <a:spLocks noGrp="1"/>
           </p:cNvSpPr>
           <p:nvPr>
-            <p:ph type="body" sz="quarter" idx="13"/>
+            <p:ph type="body" sz="quarter" idx="4294967295"/>
           </p:nvPr>
         </p:nvSpPr>
         <p:spPr>
           <a:xfrm>
-            <a:off x="1713639" y="3090862"/>
-            <a:ext cx="9876092" cy="1708160"/>
+            <a:off x="1574041" y="12814522"/>
+            <a:ext cx="3682418" cy="338554"/>
           </a:xfrm>
+          <a:prstGeom prst="rect">
+            <a:avLst/>
+          </a:prstGeom>
         </p:spPr>
         <p:txBody>
           <a:bodyPr/>
           <a:lstStyle/>
           <a:p>
-            <a:pPr marL="457200" indent="-457200" algn="l">
-              <a:buFont typeface="Arial" charset="0"/>
-              <a:buChar char="•"/>
-            </a:pPr>
-            <a:r>
-              <a:rPr lang="en-US" sz="3500" dirty="0">
+            <a:pPr algn="l"/>
+            <a:r>
+              <a:rPr lang="en-US" sz="1600" dirty="0">
                 <a:solidFill>
-                  <a:schemeClr val="tx1"/>
+                  <a:srgbClr val="B1B2B4"/>
                 </a:solidFill>
-              </a:rPr>
-              <a:t>Modular design means a single person can build one of our trucks in four hours and allows any part to be changed in 15 minutes.</a:t>
+                <a:latin typeface="ARRIVAL Apercu" charset="0"/>
+                <a:ea typeface="ARRIVAL Apercu" charset="0"/>
+                <a:cs typeface="ARRIVAL Apercu" charset="0"/>
+              </a:rPr>
+              <a:t>ARRIVAL LTD — Private &amp; Confidential.</a:t>
             </a:r>
           </a:p>
         </p:txBody>
       </p:sp>
       <p:sp>
         <p:nvSpPr>
-          <p:cNvPr id="3" name="Text Placeholder 2"/>
-          <p:cNvSpPr>
-            <a:spLocks noGrp="1"/>
-          </p:cNvSpPr>
-          <p:nvPr>
-            <p:ph type="body" sz="quarter" idx="14"/>
-          </p:nvPr>
+          <p:cNvPr id="2" name="TextBox 1">
+            <a:extLst>
+              <a:ext uri="{FF2B5EF4-FFF2-40B4-BE49-F238E27FC236}">
+                <a16:creationId xmlns:a16="http://schemas.microsoft.com/office/drawing/2014/main" id="{0308D278-95AE-4ED8-BF98-6FF12BBA6D71}"/>
+              </a:ext>
+            </a:extLst>
+          </p:cNvPr>
+          <p:cNvSpPr txBox="1"/>
+          <p:nvPr/>
         </p:nvSpPr>
         <p:spPr>
           <a:xfrm>
-            <a:off x="1653566" y="1122442"/>
-            <a:ext cx="18079668" cy="861774"/>
+            <a:off x="1774218" y="2069789"/>
+            <a:ext cx="20268659" cy="9192900"/>
           </a:xfrm>
+          <a:prstGeom prst="rect">
+            <a:avLst/>
+          </a:prstGeom>
+          <a:noFill/>
+          <a:ln w="12700" cap="flat">
+            <a:noFill/>
+            <a:miter lim="400000"/>
+          </a:ln>
+          <a:effectLst/>
+          <a:sp3d/>
         </p:spPr>
+        <p:style>
+          <a:lnRef idx="0">
+            <a:scrgbClr r="0" g="0" b="0"/>
+          </a:lnRef>
+          <a:fillRef idx="0">
+            <a:scrgbClr r="0" g="0" b="0"/>
+          </a:fillRef>
+          <a:effectRef idx="0">
+            <a:scrgbClr r="0" g="0" b="0"/>
+          </a:effectRef>
+          <a:fontRef idx="none"/>
+        </p:style>
         <p:txBody>
-          <a:bodyPr/>
+          <a:bodyPr rot="0" spcFirstLastPara="1" vertOverflow="overflow" horzOverflow="overflow" vert="horz" wrap="square" lIns="71437" tIns="71437" rIns="71437" bIns="71437" numCol="1" spcCol="38100" rtlCol="0" anchor="ctr">
+            <a:spAutoFit/>
+          </a:bodyPr>
           <a:lstStyle/>
           <a:p>
             <a:r>
-              <a:rPr lang="en-US" dirty="0"/>
-              <a:t>Slide Title Here</a:t>
-            </a:r>
+              <a:rPr lang="en-GB" sz="4800" dirty="0">
+                <a:latin typeface="ARRIVAL Apercu" panose="020B0503050601040103" pitchFamily="34" charset="0"/>
+              </a:rPr>
+              <a:t>The Solution</a:t>
+            </a:r>
+          </a:p>
+          <a:p>
+            <a:endParaRPr lang="en-GB" sz="4800" b="0" dirty="0">
+              <a:latin typeface="ARRIVAL Apercu" panose="020B0503050601040103" pitchFamily="34" charset="0"/>
+            </a:endParaRPr>
+          </a:p>
+          <a:p>
+            <a:r>
+              <a:rPr lang="en-GB" sz="4800" b="0" dirty="0">
+                <a:latin typeface="ARRIVAL Apercu" panose="020B0503050601040103" pitchFamily="34" charset="0"/>
+              </a:rPr>
+              <a:t>A browser based simulation tool for everyone in Arrival.</a:t>
+            </a:r>
+          </a:p>
+          <a:p>
+            <a:endParaRPr lang="en-GB" sz="4800" b="0" dirty="0">
+              <a:latin typeface="ARRIVAL Apercu" panose="020B0503050601040103" pitchFamily="34" charset="0"/>
+            </a:endParaRPr>
+          </a:p>
+          <a:p>
+            <a:r>
+              <a:rPr lang="en-GB" sz="4800" b="0" dirty="0">
+                <a:latin typeface="ARRIVAL Apercu" panose="020B0503050601040103" pitchFamily="34" charset="0"/>
+              </a:rPr>
+              <a:t>You can answer questions straight away such as:</a:t>
+            </a:r>
+          </a:p>
+          <a:p>
+            <a:pPr marL="571500" indent="-571500">
+              <a:lnSpc>
+                <a:spcPct val="150000"/>
+              </a:lnSpc>
+              <a:buFont typeface="Arial" panose="020B0604020202020204" pitchFamily="34" charset="0"/>
+              <a:buChar char="•"/>
+            </a:pPr>
+            <a:r>
+              <a:rPr lang="en-GB" sz="4000" b="0" dirty="0">
+                <a:latin typeface="ARRIVAL Apercu" panose="020B0503050601040103" pitchFamily="34" charset="0"/>
+              </a:rPr>
+              <a:t>What happens if we lighten our vehicle by 100kg?</a:t>
+            </a:r>
+          </a:p>
+          <a:p>
+            <a:pPr marL="571500" indent="-571500">
+              <a:lnSpc>
+                <a:spcPct val="150000"/>
+              </a:lnSpc>
+              <a:buFont typeface="Arial" panose="020B0604020202020204" pitchFamily="34" charset="0"/>
+              <a:buChar char="•"/>
+            </a:pPr>
+            <a:r>
+              <a:rPr lang="en-GB" sz="4000" b="0" dirty="0">
+                <a:latin typeface="ARRIVAL Apercu" panose="020B0503050601040103" pitchFamily="34" charset="0"/>
+              </a:rPr>
+              <a:t>What is the maximum velocity of our vehicle?</a:t>
+            </a:r>
+          </a:p>
+          <a:p>
+            <a:pPr marL="571500" indent="-571500">
+              <a:lnSpc>
+                <a:spcPct val="150000"/>
+              </a:lnSpc>
+              <a:buFont typeface="Arial" panose="020B0604020202020204" pitchFamily="34" charset="0"/>
+              <a:buChar char="•"/>
+            </a:pPr>
+            <a:r>
+              <a:rPr lang="en-GB" sz="4000" b="0" dirty="0">
+                <a:latin typeface="ARRIVAL Apercu" panose="020B0503050601040103" pitchFamily="34" charset="0"/>
+              </a:rPr>
+              <a:t>How much torque do we have available at 73kmph?</a:t>
+            </a:r>
+          </a:p>
+          <a:p>
+            <a:pPr marL="571500" indent="-571500">
+              <a:lnSpc>
+                <a:spcPct val="150000"/>
+              </a:lnSpc>
+              <a:buFont typeface="Arial" panose="020B0604020202020204" pitchFamily="34" charset="0"/>
+              <a:buChar char="•"/>
+            </a:pPr>
+            <a:r>
+              <a:rPr lang="en-GB" sz="4000" b="0" dirty="0">
+                <a:latin typeface="ARRIVAL Apercu" panose="020B0503050601040103" pitchFamily="34" charset="0"/>
+              </a:rPr>
+              <a:t>How does payload effect our range?</a:t>
+            </a:r>
+          </a:p>
+          <a:p>
+            <a:pPr>
+              <a:lnSpc>
+                <a:spcPct val="150000"/>
+              </a:lnSpc>
+            </a:pPr>
+            <a:endParaRPr lang="en-GB" sz="4000" b="0" dirty="0">
+              <a:latin typeface="ARRIVAL Apercu" panose="020B0503050601040103" pitchFamily="34" charset="0"/>
+            </a:endParaRPr>
+          </a:p>
+          <a:p>
+            <a:endParaRPr kumimoji="0" lang="en-GB" sz="4800" b="0" i="0" u="none" strike="noStrike" cap="none" spc="0" normalizeH="0" baseline="0" dirty="0">
+              <a:ln>
+                <a:noFill/>
+              </a:ln>
+              <a:solidFill>
+                <a:srgbClr val="000000"/>
+              </a:solidFill>
+              <a:effectLst/>
+              <a:uFillTx/>
+              <a:latin typeface="ARRIVAL Apercu" panose="020B0503050601040103" pitchFamily="34" charset="0"/>
+              <a:ea typeface="Helvetica Neue"/>
+              <a:cs typeface="Helvetica Neue"/>
+              <a:sym typeface="Helvetica Neue"/>
+            </a:endParaRPr>
           </a:p>
         </p:txBody>
       </p:sp>
       <p:sp>
         <p:nvSpPr>
-          <p:cNvPr id="9" name="Slide Number Placeholder 8"/>
+          <p:cNvPr id="7" name="Slide Number Placeholder 2">
+            <a:extLst>
+              <a:ext uri="{FF2B5EF4-FFF2-40B4-BE49-F238E27FC236}">
+                <a16:creationId xmlns:a16="http://schemas.microsoft.com/office/drawing/2014/main" id="{B399CE0F-DEEA-4821-B7E5-91BDC5D5367F}"/>
+              </a:ext>
+            </a:extLst>
+          </p:cNvPr>
           <p:cNvSpPr>
             <a:spLocks noGrp="1"/>
           </p:cNvSpPr>
@@ -3557,7 +4759,12 @@
             <p:ph type="sldNum" sz="quarter" idx="2"/>
           </p:nvPr>
         </p:nvSpPr>
-        <p:spPr/>
+        <p:spPr>
+          <a:xfrm>
+            <a:off x="1625600" y="1346635"/>
+            <a:ext cx="635000" cy="412322"/>
+          </a:xfrm>
+        </p:spPr>
         <p:txBody>
           <a:bodyPr/>
           <a:lstStyle/>
@@ -3571,290 +4778,10 @@
           </a:p>
         </p:txBody>
       </p:sp>
-      <p:sp>
-        <p:nvSpPr>
-          <p:cNvPr id="11" name="Text Placeholder 1"/>
-          <p:cNvSpPr>
-            <a:spLocks noGrp="1"/>
-          </p:cNvSpPr>
-          <p:nvPr>
-            <p:ph type="body" sz="quarter" idx="13"/>
-          </p:nvPr>
-        </p:nvSpPr>
-        <p:spPr>
-          <a:xfrm>
-            <a:off x="12800739" y="3090862"/>
-            <a:ext cx="9876092" cy="1708160"/>
-          </a:xfrm>
-        </p:spPr>
-        <p:txBody>
-          <a:bodyPr/>
-          <a:lstStyle/>
-          <a:p>
-            <a:pPr marL="457200" indent="-457200" algn="l">
-              <a:buFont typeface="Arial" charset="0"/>
-              <a:buChar char="•"/>
-            </a:pPr>
-            <a:r>
-              <a:rPr lang="en-US" sz="3500" dirty="0">
-                <a:solidFill>
-                  <a:schemeClr val="tx1"/>
-                </a:solidFill>
-              </a:rPr>
-              <a:t>Modular design means a single person can build one of our trucks in four hours and allows any part to be changed in 15 minutes.</a:t>
-            </a:r>
-          </a:p>
-        </p:txBody>
-      </p:sp>
-      <p:sp>
-        <p:nvSpPr>
-          <p:cNvPr id="12" name="Text Placeholder 1"/>
-          <p:cNvSpPr>
-            <a:spLocks noGrp="1"/>
-          </p:cNvSpPr>
-          <p:nvPr>
-            <p:ph type="body" sz="quarter" idx="13"/>
-          </p:nvPr>
-        </p:nvSpPr>
-        <p:spPr>
-          <a:xfrm>
-            <a:off x="1713639" y="5478006"/>
-            <a:ext cx="9876092" cy="1708160"/>
-          </a:xfrm>
-        </p:spPr>
-        <p:txBody>
-          <a:bodyPr/>
-          <a:lstStyle/>
-          <a:p>
-            <a:pPr marL="457200" indent="-457200" algn="l">
-              <a:buFont typeface="Arial" charset="0"/>
-              <a:buChar char="•"/>
-            </a:pPr>
-            <a:r>
-              <a:rPr lang="en-US" sz="3500" dirty="0">
-                <a:solidFill>
-                  <a:schemeClr val="tx1"/>
-                </a:solidFill>
-              </a:rPr>
-              <a:t>Modular design means a single person can build one of our trucks in four hours and allows any part to be changed in 15 minutes.</a:t>
-            </a:r>
-          </a:p>
-        </p:txBody>
-      </p:sp>
-      <p:sp>
-        <p:nvSpPr>
-          <p:cNvPr id="13" name="Text Placeholder 1"/>
-          <p:cNvSpPr>
-            <a:spLocks noGrp="1"/>
-          </p:cNvSpPr>
-          <p:nvPr>
-            <p:ph type="body" sz="quarter" idx="13"/>
-          </p:nvPr>
-        </p:nvSpPr>
-        <p:spPr>
-          <a:xfrm>
-            <a:off x="12800739" y="5478006"/>
-            <a:ext cx="9876092" cy="1708160"/>
-          </a:xfrm>
-        </p:spPr>
-        <p:txBody>
-          <a:bodyPr/>
-          <a:lstStyle/>
-          <a:p>
-            <a:pPr marL="457200" indent="-457200" algn="l">
-              <a:buFont typeface="Arial" charset="0"/>
-              <a:buChar char="•"/>
-            </a:pPr>
-            <a:r>
-              <a:rPr lang="en-US" sz="3500" dirty="0">
-                <a:solidFill>
-                  <a:schemeClr val="tx1"/>
-                </a:solidFill>
-              </a:rPr>
-              <a:t>Modular design means a single person can build one of our trucks in four hours and allows any part to be changed in 15 minutes.</a:t>
-            </a:r>
-          </a:p>
-        </p:txBody>
-      </p:sp>
-      <p:sp>
-        <p:nvSpPr>
-          <p:cNvPr id="14" name="Text Placeholder 1"/>
-          <p:cNvSpPr>
-            <a:spLocks noGrp="1"/>
-          </p:cNvSpPr>
-          <p:nvPr>
-            <p:ph type="body" sz="quarter" idx="13"/>
-          </p:nvPr>
-        </p:nvSpPr>
-        <p:spPr>
-          <a:xfrm>
-            <a:off x="1713639" y="7865150"/>
-            <a:ext cx="9876092" cy="1708160"/>
-          </a:xfrm>
-        </p:spPr>
-        <p:txBody>
-          <a:bodyPr/>
-          <a:lstStyle/>
-          <a:p>
-            <a:pPr marL="457200" indent="-457200" algn="l">
-              <a:buFont typeface="Arial" charset="0"/>
-              <a:buChar char="•"/>
-            </a:pPr>
-            <a:r>
-              <a:rPr lang="en-US" sz="3500" dirty="0">
-                <a:solidFill>
-                  <a:schemeClr val="tx1"/>
-                </a:solidFill>
-              </a:rPr>
-              <a:t>Modular design means a single person can build one of our trucks in four hours and allows any part to be changed in 15 minutes.</a:t>
-            </a:r>
-          </a:p>
-        </p:txBody>
-      </p:sp>
-      <p:sp>
-        <p:nvSpPr>
-          <p:cNvPr id="15" name="Text Placeholder 1"/>
-          <p:cNvSpPr>
-            <a:spLocks noGrp="1"/>
-          </p:cNvSpPr>
-          <p:nvPr>
-            <p:ph type="body" sz="quarter" idx="13"/>
-          </p:nvPr>
-        </p:nvSpPr>
-        <p:spPr>
-          <a:xfrm>
-            <a:off x="12800739" y="7865150"/>
-            <a:ext cx="9876092" cy="1708160"/>
-          </a:xfrm>
-        </p:spPr>
-        <p:txBody>
-          <a:bodyPr/>
-          <a:lstStyle/>
-          <a:p>
-            <a:pPr marL="457200" indent="-457200" algn="l">
-              <a:buFont typeface="Arial" charset="0"/>
-              <a:buChar char="•"/>
-            </a:pPr>
-            <a:r>
-              <a:rPr lang="en-US" sz="3500" dirty="0">
-                <a:solidFill>
-                  <a:schemeClr val="tx1"/>
-                </a:solidFill>
-              </a:rPr>
-              <a:t>Modular design means a single person can build one of our trucks in four hours and allows any part to be changed in 15 minutes.</a:t>
-            </a:r>
-          </a:p>
-        </p:txBody>
-      </p:sp>
-      <p:sp>
-        <p:nvSpPr>
-          <p:cNvPr id="16" name="Text Placeholder 1"/>
-          <p:cNvSpPr>
-            <a:spLocks noGrp="1"/>
-          </p:cNvSpPr>
-          <p:nvPr>
-            <p:ph type="body" sz="quarter" idx="13"/>
-          </p:nvPr>
-        </p:nvSpPr>
-        <p:spPr>
-          <a:xfrm>
-            <a:off x="1713639" y="10252294"/>
-            <a:ext cx="9876092" cy="1708160"/>
-          </a:xfrm>
-        </p:spPr>
-        <p:txBody>
-          <a:bodyPr/>
-          <a:lstStyle/>
-          <a:p>
-            <a:pPr marL="457200" indent="-457200" algn="l">
-              <a:buFont typeface="Arial" charset="0"/>
-              <a:buChar char="•"/>
-            </a:pPr>
-            <a:r>
-              <a:rPr lang="en-US" sz="3500" dirty="0">
-                <a:solidFill>
-                  <a:schemeClr val="tx1"/>
-                </a:solidFill>
-              </a:rPr>
-              <a:t>Modular design means a single person can build one of our trucks in four hours and allows any part to be changed in 15 minutes.</a:t>
-            </a:r>
-          </a:p>
-        </p:txBody>
-      </p:sp>
-      <p:sp>
-        <p:nvSpPr>
-          <p:cNvPr id="17" name="Text Placeholder 1"/>
-          <p:cNvSpPr>
-            <a:spLocks noGrp="1"/>
-          </p:cNvSpPr>
-          <p:nvPr>
-            <p:ph type="body" sz="quarter" idx="13"/>
-          </p:nvPr>
-        </p:nvSpPr>
-        <p:spPr>
-          <a:xfrm>
-            <a:off x="12800739" y="10252294"/>
-            <a:ext cx="9876092" cy="1708160"/>
-          </a:xfrm>
-        </p:spPr>
-        <p:txBody>
-          <a:bodyPr/>
-          <a:lstStyle/>
-          <a:p>
-            <a:pPr marL="457200" indent="-457200" algn="l">
-              <a:buFont typeface="Arial" charset="0"/>
-              <a:buChar char="•"/>
-            </a:pPr>
-            <a:r>
-              <a:rPr lang="en-US" sz="3500" dirty="0">
-                <a:solidFill>
-                  <a:schemeClr val="tx1"/>
-                </a:solidFill>
-              </a:rPr>
-              <a:t>Modular design means a single person can build one of our trucks in four hours and allows any part to be changed in 15 minutes.</a:t>
-            </a:r>
-          </a:p>
-        </p:txBody>
-      </p:sp>
-      <p:sp>
-        <p:nvSpPr>
-          <p:cNvPr id="19" name="Text Placeholder 3"/>
-          <p:cNvSpPr>
-            <a:spLocks noGrp="1"/>
-          </p:cNvSpPr>
-          <p:nvPr>
-            <p:ph type="body" sz="quarter" idx="15"/>
-          </p:nvPr>
-        </p:nvSpPr>
-        <p:spPr>
-          <a:xfrm>
-            <a:off x="1574041" y="12814522"/>
-            <a:ext cx="3682418" cy="338554"/>
-          </a:xfrm>
-        </p:spPr>
-        <p:txBody>
-          <a:bodyPr/>
-          <a:lstStyle/>
-          <a:p>
-            <a:pPr algn="l"/>
-            <a:r>
-              <a:rPr lang="en-US" sz="1600" dirty="0">
-                <a:solidFill>
-                  <a:srgbClr val="B1B2B4"/>
-                </a:solidFill>
-                <a:latin typeface="ARRIVAL Apercu" charset="0"/>
-                <a:ea typeface="ARRIVAL Apercu" charset="0"/>
-                <a:cs typeface="ARRIVAL Apercu" charset="0"/>
-              </a:rPr>
-              <a:t>ARRIVAL LTD — Private &amp; Confidential.</a:t>
-            </a:r>
-          </a:p>
-        </p:txBody>
-      </p:sp>
     </p:spTree>
     <p:extLst>
       <p:ext uri="{BB962C8B-B14F-4D97-AF65-F5344CB8AC3E}">
-        <p14:creationId xmlns:p14="http://schemas.microsoft.com/office/powerpoint/2010/main" val="950057134"/>
+        <p14:creationId xmlns:p14="http://schemas.microsoft.com/office/powerpoint/2010/main" val="4060265941"/>
       </p:ext>
     </p:extLst>
   </p:cSld>
@@ -3884,7 +4811,191 @@
       </p:grpSpPr>
       <p:sp>
         <p:nvSpPr>
-          <p:cNvPr id="2" name="Slide Number Placeholder 1"/>
+          <p:cNvPr id="14" name="Text Placeholder 3"/>
+          <p:cNvSpPr>
+            <a:spLocks noGrp="1"/>
+          </p:cNvSpPr>
+          <p:nvPr>
+            <p:ph type="body" sz="quarter" idx="4294967295"/>
+          </p:nvPr>
+        </p:nvSpPr>
+        <p:spPr>
+          <a:xfrm>
+            <a:off x="1574041" y="12814522"/>
+            <a:ext cx="3682418" cy="338554"/>
+          </a:xfrm>
+          <a:prstGeom prst="rect">
+            <a:avLst/>
+          </a:prstGeom>
+        </p:spPr>
+        <p:txBody>
+          <a:bodyPr/>
+          <a:lstStyle/>
+          <a:p>
+            <a:pPr algn="l"/>
+            <a:r>
+              <a:rPr lang="en-US" sz="1600" dirty="0">
+                <a:solidFill>
+                  <a:srgbClr val="B1B2B4"/>
+                </a:solidFill>
+                <a:latin typeface="ARRIVAL Apercu" charset="0"/>
+                <a:ea typeface="ARRIVAL Apercu" charset="0"/>
+                <a:cs typeface="ARRIVAL Apercu" charset="0"/>
+              </a:rPr>
+              <a:t>ARRIVAL LTD — Private &amp; Confidential.</a:t>
+            </a:r>
+          </a:p>
+        </p:txBody>
+      </p:sp>
+      <p:sp>
+        <p:nvSpPr>
+          <p:cNvPr id="2" name="TextBox 1">
+            <a:extLst>
+              <a:ext uri="{FF2B5EF4-FFF2-40B4-BE49-F238E27FC236}">
+                <a16:creationId xmlns:a16="http://schemas.microsoft.com/office/drawing/2014/main" id="{0308D278-95AE-4ED8-BF98-6FF12BBA6D71}"/>
+              </a:ext>
+            </a:extLst>
+          </p:cNvPr>
+          <p:cNvSpPr txBox="1"/>
+          <p:nvPr/>
+        </p:nvSpPr>
+        <p:spPr>
+          <a:xfrm>
+            <a:off x="2111983" y="3509380"/>
+            <a:ext cx="20758826" cy="7715573"/>
+          </a:xfrm>
+          <a:prstGeom prst="rect">
+            <a:avLst/>
+          </a:prstGeom>
+          <a:noFill/>
+          <a:ln w="12700" cap="flat">
+            <a:noFill/>
+            <a:miter lim="400000"/>
+          </a:ln>
+          <a:effectLst/>
+          <a:sp3d/>
+        </p:spPr>
+        <p:style>
+          <a:lnRef idx="0">
+            <a:scrgbClr r="0" g="0" b="0"/>
+          </a:lnRef>
+          <a:fillRef idx="0">
+            <a:scrgbClr r="0" g="0" b="0"/>
+          </a:fillRef>
+          <a:effectRef idx="0">
+            <a:scrgbClr r="0" g="0" b="0"/>
+          </a:effectRef>
+          <a:fontRef idx="none"/>
+        </p:style>
+        <p:txBody>
+          <a:bodyPr rot="0" spcFirstLastPara="1" vertOverflow="overflow" horzOverflow="overflow" vert="horz" wrap="square" lIns="71437" tIns="71437" rIns="71437" bIns="71437" numCol="1" spcCol="38100" rtlCol="0" anchor="ctr">
+            <a:spAutoFit/>
+          </a:bodyPr>
+          <a:lstStyle/>
+          <a:p>
+            <a:pPr algn="l"/>
+            <a:r>
+              <a:rPr lang="en-GB" sz="4800" dirty="0">
+                <a:latin typeface="ARRIVAL Apercu" panose="020B0503050601040103" pitchFamily="34" charset="0"/>
+              </a:rPr>
+              <a:t>Idea: </a:t>
+            </a:r>
+            <a:r>
+              <a:rPr lang="en-GB" sz="4800" b="0" dirty="0">
+                <a:latin typeface="ARRIVAL Apercu" panose="020B0503050601040103" pitchFamily="34" charset="0"/>
+              </a:rPr>
+              <a:t>Develop an online page where Arrival employees can input values for a vehicle and see the range and performance of that vehicle.</a:t>
+            </a:r>
+          </a:p>
+          <a:p>
+            <a:endParaRPr lang="en-GB" sz="4800" b="0" dirty="0">
+              <a:latin typeface="ARRIVAL Apercu" panose="020B0503050601040103" pitchFamily="34" charset="0"/>
+            </a:endParaRPr>
+          </a:p>
+          <a:p>
+            <a:pPr algn="l"/>
+            <a:r>
+              <a:rPr lang="en-GB" sz="4800" dirty="0">
+                <a:latin typeface="ARRIVAL Apercu" panose="020B0503050601040103" pitchFamily="34" charset="0"/>
+              </a:rPr>
+              <a:t>Problem solved: </a:t>
+            </a:r>
+            <a:r>
+              <a:rPr lang="en-GB" sz="4800" b="0" dirty="0">
+                <a:latin typeface="ARRIVAL Apercu" panose="020B0503050601040103" pitchFamily="34" charset="0"/>
+              </a:rPr>
+              <a:t>People need fast answers to vehicle attribute questions.</a:t>
+            </a:r>
+          </a:p>
+          <a:p>
+            <a:pPr algn="l"/>
+            <a:endParaRPr lang="en-GB" sz="4800" b="0" dirty="0">
+              <a:latin typeface="ARRIVAL Apercu" panose="020B0503050601040103" pitchFamily="34" charset="0"/>
+            </a:endParaRPr>
+          </a:p>
+          <a:p>
+            <a:pPr algn="l"/>
+            <a:r>
+              <a:rPr lang="en-GB" sz="4800" dirty="0">
+                <a:latin typeface="ARRIVAL Apercu" panose="020B0503050601040103" pitchFamily="34" charset="0"/>
+              </a:rPr>
+              <a:t>Extra Benefit: </a:t>
+            </a:r>
+            <a:r>
+              <a:rPr lang="en-GB" sz="4800" b="0" dirty="0">
+                <a:latin typeface="ARRIVAL Apercu" panose="020B0503050601040103" pitchFamily="34" charset="0"/>
+              </a:rPr>
+              <a:t>People can freely “play” with the tool to gain an understanding of what variables are most important and learn about the powertrain setups.</a:t>
+            </a:r>
+          </a:p>
+          <a:p>
+            <a:endParaRPr lang="en-GB" sz="4800" b="0" dirty="0">
+              <a:latin typeface="ARRIVAL Apercu" panose="020B0503050601040103" pitchFamily="34" charset="0"/>
+            </a:endParaRPr>
+          </a:p>
+          <a:p>
+            <a:pPr marL="0" marR="0" indent="0" algn="ctr" defTabSz="821531" rtl="0" fontAlgn="auto" latinLnBrk="0" hangingPunct="0">
+              <a:lnSpc>
+                <a:spcPct val="100000"/>
+              </a:lnSpc>
+              <a:spcBef>
+                <a:spcPts val="0"/>
+              </a:spcBef>
+              <a:spcAft>
+                <a:spcPts val="0"/>
+              </a:spcAft>
+              <a:buClrTx/>
+              <a:buSzTx/>
+              <a:buFontTx/>
+              <a:buNone/>
+              <a:tabLst/>
+            </a:pPr>
+            <a:endParaRPr kumimoji="0" lang="en-GB" sz="6000" b="0" i="0" u="none" strike="noStrike" cap="none" spc="0" normalizeH="0" baseline="0" dirty="0">
+              <a:ln>
+                <a:noFill/>
+              </a:ln>
+              <a:solidFill>
+                <a:srgbClr val="000000"/>
+              </a:solidFill>
+              <a:effectLst/>
+              <a:uFillTx/>
+              <a:latin typeface="Helvetica Neue"/>
+              <a:ea typeface="Helvetica Neue"/>
+              <a:cs typeface="Helvetica Neue"/>
+              <a:sym typeface="Helvetica Neue"/>
+            </a:endParaRPr>
+          </a:p>
+        </p:txBody>
+      </p:sp>
+      <p:sp>
+        <p:nvSpPr>
+          <p:cNvPr id="7" name="Slide Number Placeholder 2">
+            <a:extLst>
+              <a:ext uri="{FF2B5EF4-FFF2-40B4-BE49-F238E27FC236}">
+                <a16:creationId xmlns:a16="http://schemas.microsoft.com/office/drawing/2014/main" id="{B399CE0F-DEEA-4821-B7E5-91BDC5D5367F}"/>
+              </a:ext>
+            </a:extLst>
+          </p:cNvPr>
           <p:cNvSpPr>
             <a:spLocks noGrp="1"/>
           </p:cNvSpPr>
@@ -3892,7 +5003,12 @@
             <p:ph type="sldNum" sz="quarter" idx="2"/>
           </p:nvPr>
         </p:nvSpPr>
-        <p:spPr/>
+        <p:spPr>
+          <a:xfrm>
+            <a:off x="1625600" y="1346635"/>
+            <a:ext cx="635000" cy="412322"/>
+          </a:xfrm>
+        </p:spPr>
         <p:txBody>
           <a:bodyPr/>
           <a:lstStyle/>
@@ -3906,14 +5022,45 @@
           </a:p>
         </p:txBody>
       </p:sp>
+    </p:spTree>
+    <p:extLst>
+      <p:ext uri="{BB962C8B-B14F-4D97-AF65-F5344CB8AC3E}">
+        <p14:creationId xmlns:p14="http://schemas.microsoft.com/office/powerpoint/2010/main" val="1343154649"/>
+      </p:ext>
+    </p:extLst>
+  </p:cSld>
+  <p:clrMapOvr>
+    <a:masterClrMapping/>
+  </p:clrMapOvr>
+  <p:transition spd="med"/>
+</p:sld>
+</file>
+
+<file path=ppt/slides/slide7.xml><?xml version="1.0" encoding="utf-8"?>
+<p:sld xmlns:a="http://schemas.openxmlformats.org/drawingml/2006/main" xmlns:r="http://schemas.openxmlformats.org/officeDocument/2006/relationships" xmlns:p="http://schemas.openxmlformats.org/presentationml/2006/main">
+  <p:cSld>
+    <p:spTree>
+      <p:nvGrpSpPr>
+        <p:cNvPr id="1" name=""/>
+        <p:cNvGrpSpPr/>
+        <p:nvPr/>
+      </p:nvGrpSpPr>
+      <p:grpSpPr>
+        <a:xfrm>
+          <a:off x="0" y="0"/>
+          <a:ext cx="0" cy="0"/>
+          <a:chOff x="0" y="0"/>
+          <a:chExt cx="0" cy="0"/>
+        </a:xfrm>
+      </p:grpSpPr>
       <p:sp>
         <p:nvSpPr>
-          <p:cNvPr id="4" name="Text Placeholder 3"/>
+          <p:cNvPr id="14" name="Text Placeholder 3"/>
           <p:cNvSpPr>
             <a:spLocks noGrp="1"/>
           </p:cNvSpPr>
           <p:nvPr>
-            <p:ph type="body" sz="quarter" idx="15"/>
+            <p:ph type="body" sz="quarter" idx="4294967295"/>
           </p:nvPr>
         </p:nvSpPr>
         <p:spPr>
@@ -3921,6 +5068,9 @@
             <a:off x="1574041" y="12814522"/>
             <a:ext cx="3682418" cy="338554"/>
           </a:xfrm>
+          <a:prstGeom prst="rect">
+            <a:avLst/>
+          </a:prstGeom>
         </p:spPr>
         <p:txBody>
           <a:bodyPr/>
@@ -3941,10 +5091,652 @@
           </a:p>
         </p:txBody>
       </p:sp>
+      <p:sp>
+        <p:nvSpPr>
+          <p:cNvPr id="2" name="TextBox 1">
+            <a:extLst>
+              <a:ext uri="{FF2B5EF4-FFF2-40B4-BE49-F238E27FC236}">
+                <a16:creationId xmlns:a16="http://schemas.microsoft.com/office/drawing/2014/main" id="{0308D278-95AE-4ED8-BF98-6FF12BBA6D71}"/>
+              </a:ext>
+            </a:extLst>
+          </p:cNvPr>
+          <p:cNvSpPr txBox="1"/>
+          <p:nvPr/>
+        </p:nvSpPr>
+        <p:spPr>
+          <a:xfrm>
+            <a:off x="1625600" y="3125619"/>
+            <a:ext cx="20758826" cy="3191257"/>
+          </a:xfrm>
+          <a:prstGeom prst="rect">
+            <a:avLst/>
+          </a:prstGeom>
+          <a:noFill/>
+          <a:ln w="12700" cap="flat">
+            <a:noFill/>
+            <a:miter lim="400000"/>
+          </a:ln>
+          <a:effectLst/>
+          <a:sp3d/>
+        </p:spPr>
+        <p:style>
+          <a:lnRef idx="0">
+            <a:scrgbClr r="0" g="0" b="0"/>
+          </a:lnRef>
+          <a:fillRef idx="0">
+            <a:scrgbClr r="0" g="0" b="0"/>
+          </a:fillRef>
+          <a:effectRef idx="0">
+            <a:scrgbClr r="0" g="0" b="0"/>
+          </a:effectRef>
+          <a:fontRef idx="none"/>
+        </p:style>
+        <p:txBody>
+          <a:bodyPr rot="0" spcFirstLastPara="1" vertOverflow="overflow" horzOverflow="overflow" vert="horz" wrap="square" lIns="71437" tIns="71437" rIns="71437" bIns="71437" numCol="1" spcCol="38100" rtlCol="0" anchor="ctr">
+            <a:spAutoFit/>
+          </a:bodyPr>
+          <a:lstStyle/>
+          <a:p>
+            <a:r>
+              <a:rPr lang="en-GB" sz="6600" dirty="0">
+                <a:latin typeface="ARRIVAL Apercu" panose="020B0503050601040103" pitchFamily="34" charset="0"/>
+              </a:rPr>
+              <a:t>My Most Important Goal:</a:t>
+            </a:r>
+          </a:p>
+          <a:p>
+            <a:endParaRPr lang="en-GB" sz="6600" dirty="0">
+              <a:latin typeface="ARRIVAL Apercu" panose="020B0503050601040103" pitchFamily="34" charset="0"/>
+            </a:endParaRPr>
+          </a:p>
+          <a:p>
+            <a:r>
+              <a:rPr lang="en-GB" sz="6600" b="0" dirty="0">
+                <a:latin typeface="ARRIVAL Apercu" panose="020B0503050601040103" pitchFamily="34" charset="0"/>
+              </a:rPr>
+              <a:t>Keep the tool easy to use, with clear, fast results.</a:t>
+            </a:r>
+          </a:p>
+        </p:txBody>
+      </p:sp>
+      <p:sp>
+        <p:nvSpPr>
+          <p:cNvPr id="7" name="Slide Number Placeholder 2">
+            <a:extLst>
+              <a:ext uri="{FF2B5EF4-FFF2-40B4-BE49-F238E27FC236}">
+                <a16:creationId xmlns:a16="http://schemas.microsoft.com/office/drawing/2014/main" id="{B399CE0F-DEEA-4821-B7E5-91BDC5D5367F}"/>
+              </a:ext>
+            </a:extLst>
+          </p:cNvPr>
+          <p:cNvSpPr>
+            <a:spLocks noGrp="1"/>
+          </p:cNvSpPr>
+          <p:nvPr>
+            <p:ph type="sldNum" sz="quarter" idx="2"/>
+          </p:nvPr>
+        </p:nvSpPr>
+        <p:spPr>
+          <a:xfrm>
+            <a:off x="1625600" y="1346635"/>
+            <a:ext cx="635000" cy="412322"/>
+          </a:xfrm>
+        </p:spPr>
+        <p:txBody>
+          <a:bodyPr/>
+          <a:lstStyle/>
+          <a:p>
+            <a:fld id="{86CB4B4D-7CA3-9044-876B-883B54F8677D}" type="slidenum">
+              <a:rPr lang="uk-UA" smtClean="0"/>
+              <a:pPr/>
+              <a:t>7</a:t>
+            </a:fld>
+            <a:endParaRPr lang="uk-UA" dirty="0"/>
+          </a:p>
+        </p:txBody>
+      </p:sp>
+      <p:sp>
+        <p:nvSpPr>
+          <p:cNvPr id="3" name="Rectangle 2">
+            <a:extLst>
+              <a:ext uri="{FF2B5EF4-FFF2-40B4-BE49-F238E27FC236}">
+                <a16:creationId xmlns:a16="http://schemas.microsoft.com/office/drawing/2014/main" id="{EFE07811-16BB-48B7-B463-7C51F51B6C30}"/>
+              </a:ext>
+            </a:extLst>
+          </p:cNvPr>
+          <p:cNvSpPr/>
+          <p:nvPr/>
+        </p:nvSpPr>
+        <p:spPr>
+          <a:xfrm>
+            <a:off x="4636852" y="7700719"/>
+            <a:ext cx="14721190" cy="1569660"/>
+          </a:xfrm>
+          <a:prstGeom prst="rect">
+            <a:avLst/>
+          </a:prstGeom>
+        </p:spPr>
+        <p:txBody>
+          <a:bodyPr wrap="square">
+            <a:spAutoFit/>
+          </a:bodyPr>
+          <a:lstStyle/>
+          <a:p>
+            <a:r>
+              <a:rPr lang="en-GB" sz="4800" b="0" dirty="0">
+                <a:latin typeface="ARRIVAL Apercu" panose="020B0503050601040103" pitchFamily="34" charset="0"/>
+              </a:rPr>
+              <a:t>“Give them a fish and they’ll last a day…</a:t>
+            </a:r>
+          </a:p>
+          <a:p>
+            <a:r>
+              <a:rPr lang="en-GB" sz="4800" b="0" dirty="0">
+                <a:latin typeface="ARRIVAL Apercu" panose="020B0503050601040103" pitchFamily="34" charset="0"/>
+              </a:rPr>
+              <a:t>Give them a rod and they’ll feed themselves!”</a:t>
+            </a:r>
+          </a:p>
+        </p:txBody>
+      </p:sp>
     </p:spTree>
     <p:extLst>
       <p:ext uri="{BB962C8B-B14F-4D97-AF65-F5344CB8AC3E}">
-        <p14:creationId xmlns:p14="http://schemas.microsoft.com/office/powerpoint/2010/main" val="1803370560"/>
+        <p14:creationId xmlns:p14="http://schemas.microsoft.com/office/powerpoint/2010/main" val="3978462488"/>
+      </p:ext>
+    </p:extLst>
+  </p:cSld>
+  <p:clrMapOvr>
+    <a:masterClrMapping/>
+  </p:clrMapOvr>
+  <p:transition spd="med"/>
+</p:sld>
+</file>
+
+<file path=ppt/slides/slide8.xml><?xml version="1.0" encoding="utf-8"?>
+<p:sld xmlns:a="http://schemas.openxmlformats.org/drawingml/2006/main" xmlns:r="http://schemas.openxmlformats.org/officeDocument/2006/relationships" xmlns:p="http://schemas.openxmlformats.org/presentationml/2006/main">
+  <p:cSld>
+    <p:spTree>
+      <p:nvGrpSpPr>
+        <p:cNvPr id="1" name=""/>
+        <p:cNvGrpSpPr/>
+        <p:nvPr/>
+      </p:nvGrpSpPr>
+      <p:grpSpPr>
+        <a:xfrm>
+          <a:off x="0" y="0"/>
+          <a:ext cx="0" cy="0"/>
+          <a:chOff x="0" y="0"/>
+          <a:chExt cx="0" cy="0"/>
+        </a:xfrm>
+      </p:grpSpPr>
+      <p:sp>
+        <p:nvSpPr>
+          <p:cNvPr id="14" name="Text Placeholder 3"/>
+          <p:cNvSpPr>
+            <a:spLocks noGrp="1"/>
+          </p:cNvSpPr>
+          <p:nvPr>
+            <p:ph type="body" sz="quarter" idx="4294967295"/>
+          </p:nvPr>
+        </p:nvSpPr>
+        <p:spPr>
+          <a:xfrm>
+            <a:off x="1574041" y="12814522"/>
+            <a:ext cx="3682418" cy="338554"/>
+          </a:xfrm>
+          <a:prstGeom prst="rect">
+            <a:avLst/>
+          </a:prstGeom>
+        </p:spPr>
+        <p:txBody>
+          <a:bodyPr/>
+          <a:lstStyle/>
+          <a:p>
+            <a:pPr algn="l"/>
+            <a:r>
+              <a:rPr lang="en-US" sz="1600" dirty="0">
+                <a:solidFill>
+                  <a:srgbClr val="B1B2B4"/>
+                </a:solidFill>
+                <a:latin typeface="ARRIVAL Apercu" charset="0"/>
+                <a:ea typeface="ARRIVAL Apercu" charset="0"/>
+                <a:cs typeface="ARRIVAL Apercu" charset="0"/>
+              </a:rPr>
+              <a:t>ARRIVAL LTD — Private &amp; Confidential.</a:t>
+            </a:r>
+          </a:p>
+        </p:txBody>
+      </p:sp>
+      <p:sp>
+        <p:nvSpPr>
+          <p:cNvPr id="4" name="TextBox 3">
+            <a:extLst>
+              <a:ext uri="{FF2B5EF4-FFF2-40B4-BE49-F238E27FC236}">
+                <a16:creationId xmlns:a16="http://schemas.microsoft.com/office/drawing/2014/main" id="{576DB815-042A-460B-93D7-84FF04E171E5}"/>
+              </a:ext>
+            </a:extLst>
+          </p:cNvPr>
+          <p:cNvSpPr txBox="1"/>
+          <p:nvPr/>
+        </p:nvSpPr>
+        <p:spPr>
+          <a:xfrm>
+            <a:off x="2861615" y="5705658"/>
+            <a:ext cx="17879438" cy="1375376"/>
+          </a:xfrm>
+          <a:prstGeom prst="rect">
+            <a:avLst/>
+          </a:prstGeom>
+          <a:noFill/>
+          <a:ln w="12700" cap="flat">
+            <a:noFill/>
+            <a:miter lim="400000"/>
+          </a:ln>
+          <a:effectLst/>
+          <a:sp3d/>
+        </p:spPr>
+        <p:style>
+          <a:lnRef idx="0">
+            <a:scrgbClr r="0" g="0" b="0"/>
+          </a:lnRef>
+          <a:fillRef idx="0">
+            <a:scrgbClr r="0" g="0" b="0"/>
+          </a:fillRef>
+          <a:effectRef idx="0">
+            <a:scrgbClr r="0" g="0" b="0"/>
+          </a:effectRef>
+          <a:fontRef idx="none"/>
+        </p:style>
+        <p:txBody>
+          <a:bodyPr rot="0" spcFirstLastPara="1" vertOverflow="overflow" horzOverflow="overflow" vert="horz" wrap="square" lIns="71437" tIns="71437" rIns="71437" bIns="71437" numCol="1" spcCol="38100" rtlCol="0" anchor="ctr">
+            <a:spAutoFit/>
+          </a:bodyPr>
+          <a:lstStyle/>
+          <a:p>
+            <a:pPr marL="0" marR="0" indent="0" defTabSz="821531" rtl="0" fontAlgn="auto" latinLnBrk="0" hangingPunct="0">
+              <a:lnSpc>
+                <a:spcPct val="100000"/>
+              </a:lnSpc>
+              <a:spcBef>
+                <a:spcPts val="0"/>
+              </a:spcBef>
+              <a:spcAft>
+                <a:spcPts val="0"/>
+              </a:spcAft>
+              <a:buClrTx/>
+              <a:buSzTx/>
+              <a:buFontTx/>
+              <a:buNone/>
+              <a:tabLst/>
+            </a:pPr>
+            <a:r>
+              <a:rPr lang="en-GB" sz="8000" b="0" dirty="0">
+                <a:latin typeface="ARRIVAL Apercu" panose="020B0503050601040103" pitchFamily="34" charset="0"/>
+              </a:rPr>
+              <a:t>Current Status: </a:t>
+            </a:r>
+            <a:r>
+              <a:rPr lang="en-GB" sz="8000" dirty="0">
+                <a:latin typeface="ARRIVAL Apercu" panose="020B0503050601040103" pitchFamily="34" charset="0"/>
+              </a:rPr>
+              <a:t>Preview Only</a:t>
+            </a:r>
+          </a:p>
+        </p:txBody>
+      </p:sp>
+      <p:sp>
+        <p:nvSpPr>
+          <p:cNvPr id="5" name="Slide Number Placeholder 2">
+            <a:extLst>
+              <a:ext uri="{FF2B5EF4-FFF2-40B4-BE49-F238E27FC236}">
+                <a16:creationId xmlns:a16="http://schemas.microsoft.com/office/drawing/2014/main" id="{19EFF7AC-307A-4C6B-B761-39807CAE916F}"/>
+              </a:ext>
+            </a:extLst>
+          </p:cNvPr>
+          <p:cNvSpPr>
+            <a:spLocks noGrp="1"/>
+          </p:cNvSpPr>
+          <p:nvPr>
+            <p:ph type="sldNum" sz="quarter" idx="2"/>
+          </p:nvPr>
+        </p:nvSpPr>
+        <p:spPr>
+          <a:xfrm>
+            <a:off x="1625600" y="1346635"/>
+            <a:ext cx="635000" cy="412322"/>
+          </a:xfrm>
+        </p:spPr>
+        <p:txBody>
+          <a:bodyPr/>
+          <a:lstStyle/>
+          <a:p>
+            <a:fld id="{86CB4B4D-7CA3-9044-876B-883B54F8677D}" type="slidenum">
+              <a:rPr lang="uk-UA" smtClean="0"/>
+              <a:pPr/>
+              <a:t>8</a:t>
+            </a:fld>
+            <a:endParaRPr lang="uk-UA" dirty="0"/>
+          </a:p>
+        </p:txBody>
+      </p:sp>
+    </p:spTree>
+    <p:extLst>
+      <p:ext uri="{BB962C8B-B14F-4D97-AF65-F5344CB8AC3E}">
+        <p14:creationId xmlns:p14="http://schemas.microsoft.com/office/powerpoint/2010/main" val="2019355808"/>
+      </p:ext>
+    </p:extLst>
+  </p:cSld>
+  <p:clrMapOvr>
+    <a:masterClrMapping/>
+  </p:clrMapOvr>
+  <p:transition spd="med"/>
+</p:sld>
+</file>
+
+<file path=ppt/slides/slide9.xml><?xml version="1.0" encoding="utf-8"?>
+<p:sld xmlns:a="http://schemas.openxmlformats.org/drawingml/2006/main" xmlns:r="http://schemas.openxmlformats.org/officeDocument/2006/relationships" xmlns:p="http://schemas.openxmlformats.org/presentationml/2006/main">
+  <p:cSld>
+    <p:spTree>
+      <p:nvGrpSpPr>
+        <p:cNvPr id="1" name=""/>
+        <p:cNvGrpSpPr/>
+        <p:nvPr/>
+      </p:nvGrpSpPr>
+      <p:grpSpPr>
+        <a:xfrm>
+          <a:off x="0" y="0"/>
+          <a:ext cx="0" cy="0"/>
+          <a:chOff x="0" y="0"/>
+          <a:chExt cx="0" cy="0"/>
+        </a:xfrm>
+      </p:grpSpPr>
+      <p:sp>
+        <p:nvSpPr>
+          <p:cNvPr id="14" name="Text Placeholder 3"/>
+          <p:cNvSpPr>
+            <a:spLocks noGrp="1"/>
+          </p:cNvSpPr>
+          <p:nvPr>
+            <p:ph type="body" sz="quarter" idx="4294967295"/>
+          </p:nvPr>
+        </p:nvSpPr>
+        <p:spPr>
+          <a:xfrm>
+            <a:off x="1574041" y="12814522"/>
+            <a:ext cx="3682418" cy="338554"/>
+          </a:xfrm>
+          <a:prstGeom prst="rect">
+            <a:avLst/>
+          </a:prstGeom>
+        </p:spPr>
+        <p:txBody>
+          <a:bodyPr/>
+          <a:lstStyle/>
+          <a:p>
+            <a:pPr algn="l"/>
+            <a:r>
+              <a:rPr lang="en-US" sz="1600" dirty="0">
+                <a:solidFill>
+                  <a:srgbClr val="B1B2B4"/>
+                </a:solidFill>
+                <a:latin typeface="ARRIVAL Apercu" charset="0"/>
+                <a:ea typeface="ARRIVAL Apercu" charset="0"/>
+                <a:cs typeface="ARRIVAL Apercu" charset="0"/>
+              </a:rPr>
+              <a:t>ARRIVAL LTD — Private &amp; Confidential.</a:t>
+            </a:r>
+          </a:p>
+        </p:txBody>
+      </p:sp>
+      <p:sp>
+        <p:nvSpPr>
+          <p:cNvPr id="2" name="TextBox 1">
+            <a:extLst>
+              <a:ext uri="{FF2B5EF4-FFF2-40B4-BE49-F238E27FC236}">
+                <a16:creationId xmlns:a16="http://schemas.microsoft.com/office/drawing/2014/main" id="{0308D278-95AE-4ED8-BF98-6FF12BBA6D71}"/>
+              </a:ext>
+            </a:extLst>
+          </p:cNvPr>
+          <p:cNvSpPr txBox="1"/>
+          <p:nvPr/>
+        </p:nvSpPr>
+        <p:spPr>
+          <a:xfrm>
+            <a:off x="2468664" y="2205983"/>
+            <a:ext cx="21915336" cy="5037917"/>
+          </a:xfrm>
+          <a:prstGeom prst="rect">
+            <a:avLst/>
+          </a:prstGeom>
+          <a:noFill/>
+          <a:ln w="12700" cap="flat">
+            <a:noFill/>
+            <a:miter lim="400000"/>
+          </a:ln>
+          <a:effectLst/>
+          <a:sp3d/>
+        </p:spPr>
+        <p:style>
+          <a:lnRef idx="0">
+            <a:scrgbClr r="0" g="0" b="0"/>
+          </a:lnRef>
+          <a:fillRef idx="0">
+            <a:scrgbClr r="0" g="0" b="0"/>
+          </a:fillRef>
+          <a:effectRef idx="0">
+            <a:scrgbClr r="0" g="0" b="0"/>
+          </a:effectRef>
+          <a:fontRef idx="none"/>
+        </p:style>
+        <p:txBody>
+          <a:bodyPr rot="0" spcFirstLastPara="1" vertOverflow="overflow" horzOverflow="overflow" vert="horz" wrap="square" lIns="71437" tIns="71437" rIns="71437" bIns="71437" numCol="1" spcCol="38100" rtlCol="0" anchor="ctr">
+            <a:spAutoFit/>
+          </a:bodyPr>
+          <a:lstStyle/>
+          <a:p>
+            <a:pPr algn="l"/>
+            <a:r>
+              <a:rPr lang="en-GB" sz="6000" dirty="0">
+                <a:latin typeface="ARRIVAL Apercu" panose="020B0503050601040103" pitchFamily="34" charset="0"/>
+              </a:rPr>
+              <a:t>When should you use it?</a:t>
+            </a:r>
+          </a:p>
+          <a:p>
+            <a:pPr algn="l"/>
+            <a:endParaRPr lang="en-GB" sz="6000" dirty="0">
+              <a:latin typeface="ARRIVAL Apercu" panose="020B0503050601040103" pitchFamily="34" charset="0"/>
+            </a:endParaRPr>
+          </a:p>
+          <a:p>
+            <a:pPr marL="857250" indent="-857250" algn="l">
+              <a:lnSpc>
+                <a:spcPct val="150000"/>
+              </a:lnSpc>
+              <a:buFont typeface="Arial" panose="020B0604020202020204" pitchFamily="34" charset="0"/>
+              <a:buChar char="•"/>
+            </a:pPr>
+            <a:r>
+              <a:rPr lang="en-GB" sz="4400" b="0" dirty="0">
+                <a:latin typeface="ARRIVAL Apercu" panose="020B0503050601040103" pitchFamily="34" charset="0"/>
+              </a:rPr>
+              <a:t>When you need to initially explore vehicle attributes</a:t>
+            </a:r>
+          </a:p>
+          <a:p>
+            <a:pPr marL="857250" indent="-857250" algn="l">
+              <a:lnSpc>
+                <a:spcPct val="150000"/>
+              </a:lnSpc>
+              <a:buFont typeface="Arial" panose="020B0604020202020204" pitchFamily="34" charset="0"/>
+              <a:buChar char="•"/>
+            </a:pPr>
+            <a:r>
+              <a:rPr lang="en-GB" sz="4400" b="0" dirty="0">
+                <a:latin typeface="ARRIVAL Apercu" panose="020B0503050601040103" pitchFamily="34" charset="0"/>
+              </a:rPr>
+              <a:t>To play with vehicle variables to understand how range is effected</a:t>
+            </a:r>
+          </a:p>
+          <a:p>
+            <a:pPr marL="857250" indent="-857250" algn="l">
+              <a:lnSpc>
+                <a:spcPct val="150000"/>
+              </a:lnSpc>
+              <a:buFont typeface="Arial" panose="020B0604020202020204" pitchFamily="34" charset="0"/>
+              <a:buChar char="•"/>
+            </a:pPr>
+            <a:r>
+              <a:rPr lang="en-GB" sz="4400" b="0" dirty="0">
+                <a:latin typeface="ARRIVAL Apercu" panose="020B0503050601040103" pitchFamily="34" charset="0"/>
+              </a:rPr>
+              <a:t>When there is questions in meetings such as:</a:t>
+            </a:r>
+          </a:p>
+        </p:txBody>
+      </p:sp>
+      <p:sp>
+        <p:nvSpPr>
+          <p:cNvPr id="7" name="Slide Number Placeholder 2">
+            <a:extLst>
+              <a:ext uri="{FF2B5EF4-FFF2-40B4-BE49-F238E27FC236}">
+                <a16:creationId xmlns:a16="http://schemas.microsoft.com/office/drawing/2014/main" id="{B399CE0F-DEEA-4821-B7E5-91BDC5D5367F}"/>
+              </a:ext>
+            </a:extLst>
+          </p:cNvPr>
+          <p:cNvSpPr>
+            <a:spLocks noGrp="1"/>
+          </p:cNvSpPr>
+          <p:nvPr>
+            <p:ph type="sldNum" sz="quarter" idx="2"/>
+          </p:nvPr>
+        </p:nvSpPr>
+        <p:spPr>
+          <a:xfrm>
+            <a:off x="1625600" y="1346635"/>
+            <a:ext cx="635000" cy="412322"/>
+          </a:xfrm>
+        </p:spPr>
+        <p:txBody>
+          <a:bodyPr/>
+          <a:lstStyle/>
+          <a:p>
+            <a:fld id="{86CB4B4D-7CA3-9044-876B-883B54F8677D}" type="slidenum">
+              <a:rPr lang="uk-UA" smtClean="0"/>
+              <a:pPr/>
+              <a:t>9</a:t>
+            </a:fld>
+            <a:endParaRPr lang="uk-UA" dirty="0"/>
+          </a:p>
+        </p:txBody>
+      </p:sp>
+      <p:sp>
+        <p:nvSpPr>
+          <p:cNvPr id="3" name="Rectangle 2">
+            <a:extLst>
+              <a:ext uri="{FF2B5EF4-FFF2-40B4-BE49-F238E27FC236}">
+                <a16:creationId xmlns:a16="http://schemas.microsoft.com/office/drawing/2014/main" id="{B9748473-6C7E-4349-8F58-80131551EFA6}"/>
+              </a:ext>
+            </a:extLst>
+          </p:cNvPr>
+          <p:cNvSpPr/>
+          <p:nvPr/>
+        </p:nvSpPr>
+        <p:spPr>
+          <a:xfrm>
+            <a:off x="4403387" y="7221633"/>
+            <a:ext cx="14487727" cy="4708981"/>
+          </a:xfrm>
+          <a:prstGeom prst="rect">
+            <a:avLst/>
+          </a:prstGeom>
+        </p:spPr>
+        <p:txBody>
+          <a:bodyPr wrap="square">
+            <a:spAutoFit/>
+          </a:bodyPr>
+          <a:lstStyle/>
+          <a:p>
+            <a:pPr marL="857250" indent="-857250" algn="l">
+              <a:lnSpc>
+                <a:spcPct val="150000"/>
+              </a:lnSpc>
+              <a:buFont typeface="Wingdings" panose="05000000000000000000" pitchFamily="2" charset="2"/>
+              <a:buChar char="§"/>
+            </a:pPr>
+            <a:r>
+              <a:rPr lang="en-GB" sz="4000" b="0" dirty="0">
+                <a:latin typeface="ARRIVAL Apercu" panose="020B0503050601040103" pitchFamily="34" charset="0"/>
+              </a:rPr>
+              <a:t>What power do we need at 60kmph?</a:t>
+            </a:r>
+          </a:p>
+          <a:p>
+            <a:pPr marL="857250" lvl="6" indent="-857250" algn="l">
+              <a:lnSpc>
+                <a:spcPct val="150000"/>
+              </a:lnSpc>
+              <a:buFont typeface="Wingdings" panose="05000000000000000000" pitchFamily="2" charset="2"/>
+              <a:buChar char="§"/>
+            </a:pPr>
+            <a:r>
+              <a:rPr lang="en-GB" sz="4000" b="0" dirty="0">
+                <a:latin typeface="ARRIVAL Apercu" panose="020B0503050601040103" pitchFamily="34" charset="0"/>
+              </a:rPr>
+              <a:t>What is the 0-120kmph time?</a:t>
+            </a:r>
+          </a:p>
+          <a:p>
+            <a:pPr marL="857250" lvl="6" indent="-857250" algn="l">
+              <a:lnSpc>
+                <a:spcPct val="150000"/>
+              </a:lnSpc>
+              <a:buFont typeface="Wingdings" panose="05000000000000000000" pitchFamily="2" charset="2"/>
+              <a:buChar char="§"/>
+            </a:pPr>
+            <a:r>
+              <a:rPr lang="en-GB" sz="4000" b="0" dirty="0">
+                <a:latin typeface="ARRIVAL Apercu" panose="020B0503050601040103" pitchFamily="34" charset="0"/>
+              </a:rPr>
+              <a:t>Can our vehicle go 136kmph?</a:t>
+            </a:r>
+          </a:p>
+          <a:p>
+            <a:pPr marL="857250" lvl="6" indent="-857250" algn="l">
+              <a:lnSpc>
+                <a:spcPct val="150000"/>
+              </a:lnSpc>
+              <a:buFont typeface="Wingdings" panose="05000000000000000000" pitchFamily="2" charset="2"/>
+              <a:buChar char="§"/>
+            </a:pPr>
+            <a:r>
+              <a:rPr lang="en-GB" sz="4000" b="0" dirty="0">
+                <a:latin typeface="ARRIVAL Apercu" panose="020B0503050601040103" pitchFamily="34" charset="0"/>
+              </a:rPr>
+              <a:t>How does gear ratio effect the vehicle acceleration?</a:t>
+            </a:r>
+          </a:p>
+          <a:p>
+            <a:pPr marL="857250" lvl="6" indent="-857250" algn="l">
+              <a:lnSpc>
+                <a:spcPct val="150000"/>
+              </a:lnSpc>
+              <a:buFont typeface="Wingdings" panose="05000000000000000000" pitchFamily="2" charset="2"/>
+              <a:buChar char="§"/>
+            </a:pPr>
+            <a:r>
+              <a:rPr lang="en-GB" sz="4000" b="0" dirty="0">
+                <a:latin typeface="ARRIVAL Apercu" panose="020B0503050601040103" pitchFamily="34" charset="0"/>
+              </a:rPr>
+              <a:t>How does changing the motor effect performance?</a:t>
+            </a:r>
+          </a:p>
+        </p:txBody>
+      </p:sp>
+    </p:spTree>
+    <p:extLst>
+      <p:ext uri="{BB962C8B-B14F-4D97-AF65-F5344CB8AC3E}">
+        <p14:creationId xmlns:p14="http://schemas.microsoft.com/office/powerpoint/2010/main" val="2921717692"/>
       </p:ext>
     </p:extLst>
   </p:cSld>
